--- a/acm/讲课·dp/DP（一）.pptx
+++ b/acm/讲课·dp/DP（一）.pptx
@@ -5,7 +5,7 @@
     <p:sldMasterId id="2147483648" r:id="rId1"/>
   </p:sldMasterIdLst>
   <p:notesMasterIdLst>
-    <p:notesMasterId r:id="rId14"/>
+    <p:notesMasterId r:id="rId15"/>
   </p:notesMasterIdLst>
   <p:sldIdLst>
     <p:sldId id="256" r:id="rId3"/>
@@ -19,11 +19,12 @@
     <p:sldId id="375" r:id="rId11"/>
     <p:sldId id="378" r:id="rId12"/>
     <p:sldId id="377" r:id="rId13"/>
+    <p:sldId id="385" r:id="rId14"/>
   </p:sldIdLst>
   <p:sldSz cx="5765800" cy="3244850"/>
   <p:notesSz cx="5765800" cy="3244850"/>
   <p:custDataLst>
-    <p:tags r:id="rId18"/>
+    <p:tags r:id="rId19"/>
   </p:custDataLst>
   <p:defaultTextStyle>
     <a:lvl1pPr marL="0" algn="l" defTabSz="914400" rtl="0" eaLnBrk="1" latinLnBrk="0" hangingPunct="1">
@@ -8871,7 +8872,7 @@
         <p:spPr>
           <a:xfrm>
             <a:off x="520700" y="936625"/>
-            <a:ext cx="4437380" cy="675005"/>
+            <a:ext cx="4437380" cy="1832610"/>
           </a:xfrm>
           <a:prstGeom prst="rect">
             <a:avLst/>
@@ -8907,6 +8908,17 @@
           <a:p>
             <a:r>
               <a:rPr lang="zh-CN" altLang="en-US" sz="1000"/>
+              <a:t>以下操作可以提供</a:t>
+            </a:r>
+            <a:r>
+              <a:rPr lang="zh-CN" altLang="en-US" sz="1000"/>
+              <a:t>参考</a:t>
+            </a:r>
+            <a:endParaRPr lang="zh-CN" altLang="en-US" sz="1000"/>
+          </a:p>
+          <a:p>
+            <a:r>
+              <a:rPr lang="zh-CN" altLang="en-US" sz="1000"/>
               <a:t>判断第</a:t>
             </a:r>
             <a:r>
@@ -8932,6 +8944,51 @@
             <a:endParaRPr lang="en-US" altLang="zh-CN" sz="1000"/>
           </a:p>
           <a:p>
+            <a:r>
+              <a:rPr lang="zh-CN" altLang="en-US" sz="1000"/>
+              <a:t>交集，</a:t>
+            </a:r>
+            <a:r>
+              <a:rPr lang="en-US" altLang="zh-CN" sz="1000"/>
+              <a:t> A &amp; B</a:t>
+            </a:r>
+            <a:endParaRPr lang="en-US" altLang="zh-CN" sz="1000"/>
+          </a:p>
+          <a:p>
+            <a:r>
+              <a:rPr lang="zh-CN" altLang="en-US" sz="1000"/>
+              <a:t>并集，</a:t>
+            </a:r>
+            <a:r>
+              <a:rPr lang="en-US" altLang="zh-CN" sz="1000"/>
+              <a:t> </a:t>
+            </a:r>
+            <a:r>
+              <a:rPr lang="en-US" altLang="zh-CN" sz="1000"/>
+              <a:t>A | B</a:t>
+            </a:r>
+            <a:endParaRPr lang="en-US" altLang="zh-CN" sz="1000"/>
+          </a:p>
+          <a:p>
+            <a:r>
+              <a:rPr lang="zh-CN" altLang="en-US" sz="1000"/>
+              <a:t>枚举子集，</a:t>
+            </a:r>
+            <a:r>
+              <a:rPr lang="en-US" altLang="zh-CN" sz="1000"/>
+              <a:t> for(int i = s; i; i = (i - 1) &amp; s)</a:t>
+            </a:r>
+            <a:endParaRPr lang="en-US" altLang="zh-CN" sz="1000"/>
+          </a:p>
+          <a:p>
+            <a:r>
+              <a:rPr lang="zh-CN" altLang="en-US" sz="1000"/>
+              <a:t>枚举超集，</a:t>
+            </a:r>
+            <a:r>
+              <a:rPr lang="en-US" altLang="zh-CN" sz="1000"/>
+              <a:t> for(int i = x; i &lt; (1 &lt;&lt; n); i = (i + 1) | x)</a:t>
+            </a:r>
             <a:endParaRPr lang="en-US" altLang="zh-CN" sz="1000"/>
           </a:p>
         </p:txBody>
@@ -9579,6 +9636,1193 @@
 </p:sld>
 </file>
 
+<file path=ppt/slides/slide12.xml><?xml version="1.0" encoding="utf-8"?>
+<p:sld xmlns:a="http://schemas.openxmlformats.org/drawingml/2006/main" xmlns:r="http://schemas.openxmlformats.org/officeDocument/2006/relationships" xmlns:p="http://schemas.openxmlformats.org/presentationml/2006/main">
+  <p:cSld>
+    <p:spTree>
+      <p:nvGrpSpPr>
+        <p:cNvPr id="1" name=""/>
+        <p:cNvGrpSpPr/>
+        <p:nvPr/>
+      </p:nvGrpSpPr>
+      <p:grpSpPr>
+        <a:xfrm>
+          <a:off x="0" y="0"/>
+          <a:ext cx="0" cy="0"/>
+          <a:chOff x="0" y="0"/>
+          <a:chExt cx="0" cy="0"/>
+        </a:xfrm>
+      </p:grpSpPr>
+      <p:sp>
+        <p:nvSpPr>
+          <p:cNvPr id="2" name="object 2"/>
+          <p:cNvSpPr/>
+          <p:nvPr/>
+        </p:nvSpPr>
+        <p:spPr>
+          <a:xfrm>
+            <a:off x="0" y="20"/>
+            <a:ext cx="5759958" cy="322190"/>
+          </a:xfrm>
+          <a:prstGeom prst="rect">
+            <a:avLst/>
+          </a:prstGeom>
+          <a:blipFill>
+            <a:blip r:embed="rId1" cstate="print"/>
+            <a:stretch>
+              <a:fillRect/>
+            </a:stretch>
+          </a:blipFill>
+        </p:spPr>
+        <p:txBody>
+          <a:bodyPr wrap="square" lIns="0" tIns="0" rIns="0" bIns="0" rtlCol="0"/>
+          <a:lstStyle/>
+          <a:p/>
+        </p:txBody>
+      </p:sp>
+      <p:sp>
+        <p:nvSpPr>
+          <p:cNvPr id="5" name="object 5"/>
+          <p:cNvSpPr/>
+          <p:nvPr/>
+        </p:nvSpPr>
+        <p:spPr>
+          <a:xfrm>
+            <a:off x="0" y="3113900"/>
+            <a:ext cx="2880360" cy="126364"/>
+          </a:xfrm>
+          <a:custGeom>
+            <a:avLst/>
+            <a:gdLst/>
+            <a:ahLst/>
+            <a:cxnLst/>
+            <a:rect l="l" t="t" r="r" b="b"/>
+            <a:pathLst>
+              <a:path w="2880360" h="126364">
+                <a:moveTo>
+                  <a:pt x="0" y="126123"/>
+                </a:moveTo>
+                <a:lnTo>
+                  <a:pt x="2880004" y="126123"/>
+                </a:lnTo>
+                <a:lnTo>
+                  <a:pt x="2880004" y="0"/>
+                </a:lnTo>
+                <a:lnTo>
+                  <a:pt x="0" y="0"/>
+                </a:lnTo>
+                <a:lnTo>
+                  <a:pt x="0" y="126123"/>
+                </a:lnTo>
+                <a:close/>
+              </a:path>
+            </a:pathLst>
+          </a:custGeom>
+          <a:solidFill>
+            <a:srgbClr val="000000"/>
+          </a:solidFill>
+        </p:spPr>
+        <p:txBody>
+          <a:bodyPr wrap="square" lIns="0" tIns="0" rIns="0" bIns="0" rtlCol="0"/>
+          <a:lstStyle/>
+          <a:p/>
+        </p:txBody>
+      </p:sp>
+      <p:sp>
+        <p:nvSpPr>
+          <p:cNvPr id="6" name="object 6"/>
+          <p:cNvSpPr/>
+          <p:nvPr/>
+        </p:nvSpPr>
+        <p:spPr>
+          <a:xfrm>
+            <a:off x="2880004" y="3113900"/>
+            <a:ext cx="2880360" cy="126364"/>
+          </a:xfrm>
+          <a:custGeom>
+            <a:avLst/>
+            <a:gdLst/>
+            <a:ahLst/>
+            <a:cxnLst/>
+            <a:rect l="l" t="t" r="r" b="b"/>
+            <a:pathLst>
+              <a:path w="2880360" h="126364">
+                <a:moveTo>
+                  <a:pt x="0" y="126123"/>
+                </a:moveTo>
+                <a:lnTo>
+                  <a:pt x="2880004" y="126123"/>
+                </a:lnTo>
+                <a:lnTo>
+                  <a:pt x="2880004" y="0"/>
+                </a:lnTo>
+                <a:lnTo>
+                  <a:pt x="0" y="0"/>
+                </a:lnTo>
+                <a:lnTo>
+                  <a:pt x="0" y="126123"/>
+                </a:lnTo>
+                <a:close/>
+              </a:path>
+            </a:pathLst>
+          </a:custGeom>
+          <a:solidFill>
+            <a:srgbClr val="3333B2"/>
+          </a:solidFill>
+        </p:spPr>
+        <p:txBody>
+          <a:bodyPr wrap="square" lIns="0" tIns="0" rIns="0" bIns="0" rtlCol="0"/>
+          <a:lstStyle/>
+          <a:p/>
+        </p:txBody>
+      </p:sp>
+      <p:sp>
+        <p:nvSpPr>
+          <p:cNvPr id="8" name="object 8"/>
+          <p:cNvSpPr txBox="1">
+            <a:spLocks noGrp="1"/>
+          </p:cNvSpPr>
+          <p:nvPr>
+            <p:ph type="ftr" sz="quarter" idx="5"/>
+          </p:nvPr>
+        </p:nvSpPr>
+        <p:spPr>
+          <a:xfrm>
+            <a:off x="2093595" y="3101975"/>
+            <a:ext cx="700405" cy="114300"/>
+          </a:xfrm>
+          <a:prstGeom prst="rect">
+            <a:avLst/>
+          </a:prstGeom>
+        </p:spPr>
+        <p:txBody>
+          <a:bodyPr vert="horz" wrap="square" lIns="0" tIns="22225" rIns="0" bIns="0" rtlCol="0">
+            <a:spAutoFit/>
+          </a:bodyPr>
+          <a:lstStyle/>
+          <a:p>
+            <a:pPr marL="12700">
+              <a:lnSpc>
+                <a:spcPct val="100000"/>
+              </a:lnSpc>
+              <a:spcBef>
+                <a:spcPts val="175"/>
+              </a:spcBef>
+            </a:pPr>
+            <a:r>
+              <a:rPr lang="en-US" spc="45" dirty="0">
+                <a:latin typeface="Tahoma" panose="020B0604030504040204"/>
+                <a:cs typeface="Tahoma" panose="020B0604030504040204"/>
+                <a:sym typeface="+mn-ea"/>
+              </a:rPr>
+              <a:t>ZJNU ACM</a:t>
+            </a:r>
+            <a:r>
+              <a:rPr spc="35" dirty="0">
+                <a:latin typeface="宋体" panose="02010600030101010101" pitchFamily="2" charset="-122"/>
+                <a:cs typeface="宋体" panose="02010600030101010101" pitchFamily="2" charset="-122"/>
+                <a:sym typeface="+mn-ea"/>
+              </a:rPr>
+              <a:t>集训队</a:t>
+            </a:r>
+            <a:endParaRPr spc="-5" dirty="0">
+              <a:latin typeface="Microsoft JhengHei UI" panose="020B0604030504040204" charset="-120"/>
+              <a:cs typeface="Microsoft JhengHei UI" panose="020B0604030504040204" charset="-120"/>
+            </a:endParaRPr>
+          </a:p>
+        </p:txBody>
+      </p:sp>
+      <p:sp>
+        <p:nvSpPr>
+          <p:cNvPr id="9" name="object 6"/>
+          <p:cNvSpPr txBox="1"/>
+          <p:nvPr/>
+        </p:nvSpPr>
+        <p:spPr>
+          <a:xfrm>
+            <a:off x="2975305" y="2819117"/>
+            <a:ext cx="2785745" cy="398780"/>
+          </a:xfrm>
+          <a:prstGeom prst="rect">
+            <a:avLst/>
+          </a:prstGeom>
+        </p:spPr>
+        <p:txBody>
+          <a:bodyPr vert="horz" wrap="square" lIns="0" tIns="127000" rIns="0" bIns="0" rtlCol="0">
+            <a:spAutoFit/>
+          </a:bodyPr>
+          <a:p>
+            <a:pPr marL="917575">
+              <a:lnSpc>
+                <a:spcPts val="1420"/>
+              </a:lnSpc>
+              <a:spcBef>
+                <a:spcPts val="1000"/>
+              </a:spcBef>
+            </a:pPr>
+            <a:r>
+              <a:rPr sz="1200" b="1" spc="50" dirty="0">
+                <a:latin typeface="Gill Sans MT" panose="020B0502020104020203"/>
+                <a:cs typeface="Gill Sans MT" panose="020B0502020104020203"/>
+                <a:hlinkClick r:id="rId2" action="ppaction://hlinksldjump"/>
+              </a:rPr>
+              <a:t>. . </a:t>
+            </a:r>
+            <a:r>
+              <a:rPr sz="1200" b="1" spc="50" dirty="0">
+                <a:latin typeface="Gill Sans MT" panose="020B0502020104020203"/>
+                <a:cs typeface="Gill Sans MT" panose="020B0502020104020203"/>
+                <a:hlinkClick r:id="rId3" action="ppaction://hlinksldjump"/>
+              </a:rPr>
+              <a:t>. </a:t>
+            </a:r>
+            <a:r>
+              <a:rPr sz="1800" b="1" spc="225" baseline="32000" dirty="0">
+                <a:latin typeface="Gill Sans MT" panose="020B0502020104020203"/>
+                <a:cs typeface="Gill Sans MT" panose="020B0502020104020203"/>
+              </a:rPr>
+              <a:t>.</a:t>
+            </a:r>
+            <a:r>
+              <a:rPr sz="1200" b="1" spc="150" dirty="0">
+                <a:latin typeface="Gill Sans MT" panose="020B0502020104020203"/>
+                <a:cs typeface="Gill Sans MT" panose="020B0502020104020203"/>
+                <a:hlinkClick r:id="rId2" action="ppaction://hlinksldjump"/>
+              </a:rPr>
+              <a:t>.</a:t>
+            </a:r>
+            <a:r>
+              <a:rPr sz="1200" b="1" spc="150" dirty="0">
+                <a:latin typeface="Gill Sans MT" panose="020B0502020104020203"/>
+                <a:cs typeface="Gill Sans MT" panose="020B0502020104020203"/>
+                <a:hlinkClick r:id="rId2" action="ppaction://hlinksldjump"/>
+              </a:rPr>
+              <a:t>.</a:t>
+            </a:r>
+            <a:r>
+              <a:rPr sz="1200" b="1" spc="150" dirty="0">
+                <a:latin typeface="Gill Sans MT" panose="020B0502020104020203"/>
+                <a:cs typeface="Gill Sans MT" panose="020B0502020104020203"/>
+                <a:hlinkClick r:id="rId2" action="ppaction://hlinksldjump"/>
+              </a:rPr>
+              <a:t>.</a:t>
+            </a:r>
+            <a:r>
+              <a:rPr sz="1200" b="1" spc="150" dirty="0">
+                <a:latin typeface="Gill Sans MT" panose="020B0502020104020203"/>
+                <a:cs typeface="Gill Sans MT" panose="020B0502020104020203"/>
+                <a:hlinkClick r:id="rId3" action="ppaction://hlinksldjump"/>
+              </a:rPr>
+              <a:t>.</a:t>
+            </a:r>
+            <a:r>
+              <a:rPr sz="1800" b="1" spc="225" baseline="32000" dirty="0">
+                <a:latin typeface="Gill Sans MT" panose="020B0502020104020203"/>
+                <a:cs typeface="Gill Sans MT" panose="020B0502020104020203"/>
+              </a:rPr>
+              <a:t>.</a:t>
+            </a:r>
+            <a:r>
+              <a:rPr sz="1200" b="1" spc="150" dirty="0">
+                <a:latin typeface="Gill Sans MT" panose="020B0502020104020203"/>
+                <a:cs typeface="Gill Sans MT" panose="020B0502020104020203"/>
+                <a:hlinkClick r:id="rId2" action="ppaction://hlinksldjump"/>
+              </a:rPr>
+              <a:t>.</a:t>
+            </a:r>
+            <a:r>
+              <a:rPr sz="1200" b="1" spc="150" dirty="0">
+                <a:latin typeface="Gill Sans MT" panose="020B0502020104020203"/>
+                <a:cs typeface="Gill Sans MT" panose="020B0502020104020203"/>
+                <a:hlinkClick r:id="rId2" action="ppaction://hlinksldjump"/>
+              </a:rPr>
+              <a:t>.</a:t>
+            </a:r>
+            <a:r>
+              <a:rPr sz="1200" b="1" spc="150" dirty="0">
+                <a:latin typeface="Gill Sans MT" panose="020B0502020104020203"/>
+                <a:cs typeface="Gill Sans MT" panose="020B0502020104020203"/>
+                <a:hlinkClick r:id="rId2" action="ppaction://hlinksldjump"/>
+              </a:rPr>
+              <a:t>.</a:t>
+            </a:r>
+            <a:r>
+              <a:rPr sz="1200" b="1" spc="150" dirty="0">
+                <a:latin typeface="Gill Sans MT" panose="020B0502020104020203"/>
+                <a:cs typeface="Gill Sans MT" panose="020B0502020104020203"/>
+                <a:hlinkClick r:id="rId2" action="ppaction://hlinksldjump"/>
+              </a:rPr>
+              <a:t>.</a:t>
+            </a:r>
+            <a:r>
+              <a:rPr sz="1800" b="1" spc="225" baseline="32000" dirty="0">
+                <a:latin typeface="Gill Sans MT" panose="020B0502020104020203"/>
+                <a:cs typeface="Gill Sans MT" panose="020B0502020104020203"/>
+              </a:rPr>
+              <a:t>.</a:t>
+            </a:r>
+            <a:r>
+              <a:rPr sz="1200" b="1" spc="150" dirty="0">
+                <a:latin typeface="Gill Sans MT" panose="020B0502020104020203"/>
+                <a:cs typeface="Gill Sans MT" panose="020B0502020104020203"/>
+                <a:hlinkClick r:id="rId2" action="ppaction://hlinksldjump"/>
+              </a:rPr>
+              <a:t>.</a:t>
+            </a:r>
+            <a:r>
+              <a:rPr sz="1200" b="1" spc="150" dirty="0">
+                <a:latin typeface="Gill Sans MT" panose="020B0502020104020203"/>
+                <a:cs typeface="Gill Sans MT" panose="020B0502020104020203"/>
+                <a:hlinkClick r:id="rId2" action="ppaction://hlinksldjump"/>
+              </a:rPr>
+              <a:t>.</a:t>
+            </a:r>
+            <a:r>
+              <a:rPr sz="1200" b="1" spc="150" dirty="0">
+                <a:latin typeface="Gill Sans MT" panose="020B0502020104020203"/>
+                <a:cs typeface="Gill Sans MT" panose="020B0502020104020203"/>
+                <a:hlinkClick r:id="rId2" action="ppaction://hlinksldjump"/>
+              </a:rPr>
+              <a:t>.</a:t>
+            </a:r>
+            <a:r>
+              <a:rPr sz="1200" b="1" spc="150" dirty="0">
+                <a:latin typeface="Gill Sans MT" panose="020B0502020104020203"/>
+                <a:cs typeface="Gill Sans MT" panose="020B0502020104020203"/>
+                <a:hlinkClick r:id="rId2" action="ppaction://hlinksldjump"/>
+              </a:rPr>
+              <a:t>.</a:t>
+            </a:r>
+            <a:r>
+              <a:rPr sz="1800" b="1" spc="225" baseline="32000" dirty="0">
+                <a:latin typeface="Gill Sans MT" panose="020B0502020104020203"/>
+                <a:cs typeface="Gill Sans MT" panose="020B0502020104020203"/>
+              </a:rPr>
+              <a:t>.</a:t>
+            </a:r>
+            <a:r>
+              <a:rPr sz="1200" b="1" spc="150" dirty="0">
+                <a:latin typeface="Gill Sans MT" panose="020B0502020104020203"/>
+                <a:cs typeface="Gill Sans MT" panose="020B0502020104020203"/>
+                <a:hlinkClick r:id="rId2" action="ppaction://hlinksldjump"/>
+              </a:rPr>
+              <a:t>.</a:t>
+            </a:r>
+            <a:r>
+              <a:rPr sz="1200" b="1" spc="150" dirty="0">
+                <a:latin typeface="Gill Sans MT" panose="020B0502020104020203"/>
+                <a:cs typeface="Gill Sans MT" panose="020B0502020104020203"/>
+              </a:rPr>
+              <a:t> </a:t>
+            </a:r>
+            <a:r>
+              <a:rPr sz="1200" b="1" strike="sngStrike" spc="50" dirty="0">
+                <a:latin typeface="Gill Sans MT" panose="020B0502020104020203"/>
+                <a:cs typeface="Gill Sans MT" panose="020B0502020104020203"/>
+              </a:rPr>
+              <a:t>.</a:t>
+            </a:r>
+            <a:r>
+              <a:rPr sz="1200" b="1" strike="noStrike" spc="50" dirty="0">
+                <a:latin typeface="Gill Sans MT" panose="020B0502020104020203"/>
+                <a:cs typeface="Gill Sans MT" panose="020B0502020104020203"/>
+              </a:rPr>
+              <a:t> </a:t>
+            </a:r>
+            <a:r>
+              <a:rPr sz="1800" b="1" strike="noStrike" spc="135" baseline="32000" dirty="0">
+                <a:latin typeface="Gill Sans MT" panose="020B0502020104020203"/>
+                <a:cs typeface="Gill Sans MT" panose="020B0502020104020203"/>
+              </a:rPr>
+              <a:t>.</a:t>
+            </a:r>
+            <a:r>
+              <a:rPr sz="1200" b="1" strike="noStrike" spc="90" dirty="0">
+                <a:latin typeface="Gill Sans MT" panose="020B0502020104020203"/>
+                <a:cs typeface="Gill Sans MT" panose="020B0502020104020203"/>
+              </a:rPr>
+              <a:t>. </a:t>
+            </a:r>
+            <a:r>
+              <a:rPr sz="1200" b="1" strike="noStrike" spc="50" dirty="0">
+                <a:latin typeface="Gill Sans MT" panose="020B0502020104020203"/>
+                <a:cs typeface="Gill Sans MT" panose="020B0502020104020203"/>
+              </a:rPr>
+              <a:t>.</a:t>
+            </a:r>
+            <a:r>
+              <a:rPr sz="1200" b="1" strike="noStrike" spc="-254" dirty="0">
+                <a:latin typeface="Gill Sans MT" panose="020B0502020104020203"/>
+                <a:cs typeface="Gill Sans MT" panose="020B0502020104020203"/>
+              </a:rPr>
+              <a:t> </a:t>
+            </a:r>
+            <a:r>
+              <a:rPr sz="1200" b="1" strike="noStrike" spc="50" dirty="0">
+                <a:latin typeface="Gill Sans MT" panose="020B0502020104020203"/>
+                <a:cs typeface="Gill Sans MT" panose="020B0502020104020203"/>
+              </a:rPr>
+              <a:t>. </a:t>
+            </a:r>
+            <a:r>
+              <a:rPr sz="1800" b="1" strike="noStrike" spc="75" baseline="32000" dirty="0">
+                <a:latin typeface="Gill Sans MT" panose="020B0502020104020203"/>
+                <a:cs typeface="Gill Sans MT" panose="020B0502020104020203"/>
+              </a:rPr>
+              <a:t>.</a:t>
+            </a:r>
+            <a:endParaRPr sz="1800" baseline="32000">
+              <a:latin typeface="Gill Sans MT" panose="020B0502020104020203"/>
+              <a:cs typeface="Gill Sans MT" panose="020B0502020104020203"/>
+            </a:endParaRPr>
+          </a:p>
+          <a:p>
+            <a:pPr marL="12700">
+              <a:lnSpc>
+                <a:spcPts val="700"/>
+              </a:lnSpc>
+            </a:pPr>
+            <a:r>
+              <a:rPr sz="600" b="1" spc="-5" dirty="0">
+                <a:solidFill>
+                  <a:srgbClr val="FFFFFF"/>
+                </a:solidFill>
+                <a:latin typeface="Gill Sans MT" panose="020B0502020104020203"/>
+                <a:cs typeface="Gill Sans MT" panose="020B0502020104020203"/>
+                <a:sym typeface="+mn-ea"/>
+              </a:rPr>
+              <a:t>202</a:t>
+            </a:r>
+            <a:r>
+              <a:rPr lang="en-US" sz="600" b="1" spc="-5" dirty="0">
+                <a:solidFill>
+                  <a:srgbClr val="FFFFFF"/>
+                </a:solidFill>
+                <a:latin typeface="Gill Sans MT" panose="020B0502020104020203"/>
+                <a:cs typeface="Gill Sans MT" panose="020B0502020104020203"/>
+                <a:sym typeface="+mn-ea"/>
+              </a:rPr>
+              <a:t>4</a:t>
+            </a:r>
+            <a:r>
+              <a:rPr lang="en-US" sz="600" b="1" spc="-5" dirty="0">
+                <a:solidFill>
+                  <a:srgbClr val="FFFFFF"/>
+                </a:solidFill>
+                <a:latin typeface="Gill Sans MT" panose="020B0502020104020203"/>
+                <a:cs typeface="Gill Sans MT" panose="020B0502020104020203"/>
+                <a:sym typeface="+mn-ea"/>
+              </a:rPr>
+              <a:t> ZJNU ACM </a:t>
+            </a:r>
+            <a:r>
+              <a:rPr sz="600" b="1" spc="-5" dirty="0">
+                <a:solidFill>
+                  <a:srgbClr val="FFFFFF"/>
+                </a:solidFill>
+                <a:latin typeface="Gill Sans MT" panose="020B0502020104020203"/>
+                <a:cs typeface="Gill Sans MT" panose="020B0502020104020203"/>
+                <a:sym typeface="+mn-ea"/>
+              </a:rPr>
+              <a:t>DP</a:t>
+            </a:r>
+            <a:r>
+              <a:rPr lang="zh-CN" sz="600" b="1" spc="-5" dirty="0">
+                <a:solidFill>
+                  <a:srgbClr val="FFFFFF"/>
+                </a:solidFill>
+                <a:latin typeface="Gill Sans MT" panose="020B0502020104020203"/>
+                <a:cs typeface="Gill Sans MT" panose="020B0502020104020203"/>
+                <a:sym typeface="+mn-ea"/>
+              </a:rPr>
+              <a:t>（</a:t>
+            </a:r>
+            <a:r>
+              <a:rPr sz="600" b="1" spc="-5" dirty="0">
+                <a:solidFill>
+                  <a:srgbClr val="FFFFFF"/>
+                </a:solidFill>
+                <a:latin typeface="Gill Sans MT" panose="020B0502020104020203"/>
+                <a:cs typeface="Gill Sans MT" panose="020B0502020104020203"/>
+                <a:sym typeface="+mn-ea"/>
+              </a:rPr>
+              <a:t>一）</a:t>
+            </a:r>
+            <a:endParaRPr lang="en-US" sz="600" b="1" spc="-5" dirty="0">
+              <a:solidFill>
+                <a:srgbClr val="FFFFFF"/>
+              </a:solidFill>
+              <a:latin typeface="Gill Sans MT" panose="020B0502020104020203"/>
+              <a:cs typeface="Gill Sans MT" panose="020B0502020104020203"/>
+            </a:endParaRPr>
+          </a:p>
+        </p:txBody>
+      </p:sp>
+      <p:sp>
+        <p:nvSpPr>
+          <p:cNvPr id="11" name="文本框 10"/>
+          <p:cNvSpPr txBox="1"/>
+          <p:nvPr/>
+        </p:nvSpPr>
+        <p:spPr>
+          <a:xfrm>
+            <a:off x="215900" y="31750"/>
+            <a:ext cx="3876040" cy="290195"/>
+          </a:xfrm>
+          <a:prstGeom prst="rect">
+            <a:avLst/>
+          </a:prstGeom>
+          <a:noFill/>
+        </p:spPr>
+        <p:txBody>
+          <a:bodyPr wrap="square" rtlCol="0">
+            <a:noAutofit/>
+          </a:bodyPr>
+          <a:p>
+            <a:r>
+              <a:rPr lang="zh-CN" altLang="en-US">
+                <a:solidFill>
+                  <a:schemeClr val="bg1"/>
+                </a:solidFill>
+              </a:rPr>
+              <a:t>状压</a:t>
+            </a:r>
+            <a:r>
+              <a:rPr lang="en-US" altLang="zh-CN">
+                <a:solidFill>
+                  <a:schemeClr val="bg1"/>
+                </a:solidFill>
+              </a:rPr>
+              <a:t>DP</a:t>
+            </a:r>
+            <a:endParaRPr lang="zh-CN" altLang="en-US">
+              <a:solidFill>
+                <a:schemeClr val="bg1"/>
+              </a:solidFill>
+            </a:endParaRPr>
+          </a:p>
+        </p:txBody>
+      </p:sp>
+      <p:sp>
+        <p:nvSpPr>
+          <p:cNvPr id="3" name="文本框 2"/>
+          <p:cNvSpPr txBox="1"/>
+          <p:nvPr/>
+        </p:nvSpPr>
+        <p:spPr>
+          <a:xfrm>
+            <a:off x="596900" y="631825"/>
+            <a:ext cx="4437380" cy="675005"/>
+          </a:xfrm>
+          <a:prstGeom prst="rect">
+            <a:avLst/>
+          </a:prstGeom>
+          <a:noFill/>
+        </p:spPr>
+        <p:txBody>
+          <a:bodyPr wrap="square" rtlCol="0">
+            <a:noAutofit/>
+          </a:bodyPr>
+          <a:p>
+            <a:r>
+              <a:rPr lang="zh-CN" altLang="en-US"/>
+              <a:t>看守</a:t>
+            </a:r>
+            <a:br>
+              <a:rPr lang="zh-CN" altLang="en-US"/>
+            </a:br>
+            <a:r>
+              <a:rPr lang="zh-CN" altLang="en-US" sz="1000"/>
+              <a:t>给出</a:t>
+            </a:r>
+            <a:r>
+              <a:rPr lang="en-US" altLang="zh-CN" sz="1000"/>
+              <a:t>d</a:t>
+            </a:r>
+            <a:r>
+              <a:rPr lang="zh-CN" altLang="en-US" sz="1000"/>
+              <a:t>维空间的</a:t>
+            </a:r>
+            <a:r>
+              <a:rPr lang="en-US" altLang="zh-CN" sz="1000"/>
+              <a:t>n</a:t>
+            </a:r>
+            <a:r>
+              <a:rPr lang="zh-CN" altLang="en-US" sz="1000"/>
+              <a:t>个点，求曼哈顿距离最大的两个点的曼哈顿距离。</a:t>
+            </a:r>
+            <a:endParaRPr lang="zh-CN" altLang="en-US" sz="1000"/>
+          </a:p>
+          <a:p>
+            <a:endParaRPr lang="en-US" altLang="zh-CN" sz="1000"/>
+          </a:p>
+          <a:p>
+            <a:r>
+              <a:rPr lang="en-US" altLang="zh-CN" sz="1000"/>
+              <a:t>d&lt;=4, n&lt;=100000</a:t>
+            </a:r>
+            <a:endParaRPr lang="en-US" altLang="zh-CN" sz="1000"/>
+          </a:p>
+        </p:txBody>
+      </p:sp>
+      <p:sp>
+        <p:nvSpPr>
+          <p:cNvPr id="4" name="文本框 3"/>
+          <p:cNvSpPr txBox="1"/>
+          <p:nvPr/>
+        </p:nvSpPr>
+        <p:spPr>
+          <a:xfrm>
+            <a:off x="596900" y="1698625"/>
+            <a:ext cx="3839210" cy="1168400"/>
+          </a:xfrm>
+          <a:prstGeom prst="rect">
+            <a:avLst/>
+          </a:prstGeom>
+          <a:noFill/>
+        </p:spPr>
+        <p:txBody>
+          <a:bodyPr wrap="square" rtlCol="0">
+            <a:spAutoFit/>
+          </a:bodyPr>
+          <a:p>
+            <a:r>
+              <a:rPr lang="zh-CN" altLang="en-US" sz="1000"/>
+              <a:t>以二维为例，两个点的曼哈顿距离为</a:t>
+            </a:r>
+            <a:r>
+              <a:rPr lang="en-US" altLang="zh-CN" sz="1000"/>
+              <a:t>|x1-x2|+|y1-y2|</a:t>
+            </a:r>
+            <a:endParaRPr lang="en-US" altLang="zh-CN" sz="1000"/>
+          </a:p>
+          <a:p>
+            <a:r>
+              <a:rPr lang="zh-CN" altLang="en-US" sz="1000"/>
+              <a:t>拆掉绝对之后，我们就得到了四</a:t>
+            </a:r>
+            <a:r>
+              <a:rPr lang="zh-CN" altLang="en-US" sz="1000"/>
+              <a:t>个式子：</a:t>
+            </a:r>
+            <a:endParaRPr lang="zh-CN" altLang="en-US" sz="1000"/>
+          </a:p>
+          <a:p>
+            <a:r>
+              <a:rPr lang="en-US" altLang="zh-CN" sz="1000"/>
+              <a:t>x1-x2+y1-y2 =&gt; (x1+y1) - (x2+y2)</a:t>
+            </a:r>
+            <a:endParaRPr lang="en-US" altLang="zh-CN" sz="1000"/>
+          </a:p>
+          <a:p>
+            <a:r>
+              <a:rPr lang="en-US" altLang="zh-CN" sz="1000"/>
+              <a:t>-x1+x2+y1-y2 =&gt; (-x1+y1)-(-x2+y2)</a:t>
+            </a:r>
+            <a:endParaRPr lang="en-US" altLang="zh-CN" sz="1000"/>
+          </a:p>
+          <a:p>
+            <a:r>
+              <a:rPr lang="en-US" altLang="zh-CN" sz="1000">
+                <a:sym typeface="+mn-ea"/>
+              </a:rPr>
+              <a:t>x1-x2-y1+y2 =&gt; (x1-y1)-(x2-y2)</a:t>
+            </a:r>
+            <a:endParaRPr lang="en-US" altLang="zh-CN" sz="1000"/>
+          </a:p>
+          <a:p>
+            <a:r>
+              <a:rPr lang="en-US" altLang="zh-CN" sz="1000">
+                <a:sym typeface="+mn-ea"/>
+              </a:rPr>
+              <a:t>-x1+x2-y1+y2 =&gt; (-x1-y1)-(-x2-y2)</a:t>
+            </a:r>
+            <a:endParaRPr lang="en-US" altLang="zh-CN" sz="1000"/>
+          </a:p>
+          <a:p>
+            <a:endParaRPr lang="en-US" altLang="zh-CN" sz="1000"/>
+          </a:p>
+        </p:txBody>
+      </p:sp>
+    </p:spTree>
+  </p:cSld>
+  <p:clrMapOvr>
+    <a:masterClrMapping/>
+  </p:clrMapOvr>
+  <p:transition>
+    <p:cut/>
+  </p:transition>
+  <p:timing>
+    <p:tnLst>
+      <p:par>
+        <p:cTn id="1" dur="indefinite" restart="never" nodeType="tmRoot">
+          <p:childTnLst>
+            <p:seq concurrent="1" nextAc="seek">
+              <p:cTn id="2" dur="indefinite" nodeType="mainSeq">
+                <p:childTnLst>
+                  <p:par>
+                    <p:cTn id="3" fill="hold">
+                      <p:stCondLst>
+                        <p:cond delay="indefinite"/>
+                      </p:stCondLst>
+                      <p:childTnLst>
+                        <p:par>
+                          <p:cTn id="4" fill="hold">
+                            <p:stCondLst>
+                              <p:cond delay="0"/>
+                            </p:stCondLst>
+                            <p:childTnLst>
+                              <p:par>
+                                <p:cTn id="5" presetID="12" presetClass="entr" presetSubtype="4" fill="hold" nodeType="clickEffect">
+                                  <p:stCondLst>
+                                    <p:cond delay="0"/>
+                                  </p:stCondLst>
+                                  <p:childTnLst>
+                                    <p:set>
+                                      <p:cBhvr>
+                                        <p:cTn id="6" dur="1" fill="hold">
+                                          <p:stCondLst>
+                                            <p:cond delay="0"/>
+                                          </p:stCondLst>
+                                        </p:cTn>
+                                        <p:tgtEl>
+                                          <p:spTgt spid="4">
+                                            <p:txEl>
+                                              <p:pRg st="0" end="0"/>
+                                            </p:txEl>
+                                          </p:spTgt>
+                                        </p:tgtEl>
+                                        <p:attrNameLst>
+                                          <p:attrName>style.visibility</p:attrName>
+                                        </p:attrNameLst>
+                                      </p:cBhvr>
+                                      <p:to>
+                                        <p:strVal val="visible"/>
+                                      </p:to>
+                                    </p:set>
+                                    <p:anim calcmode="lin" valueType="num">
+                                      <p:cBhvr additive="base">
+                                        <p:cTn id="7" dur="500"/>
+                                        <p:tgtEl>
+                                          <p:spTgt spid="4">
+                                            <p:txEl>
+                                              <p:pRg st="0" end="0"/>
+                                            </p:txEl>
+                                          </p:spTgt>
+                                        </p:tgtEl>
+                                        <p:attrNameLst>
+                                          <p:attrName>ppt_y</p:attrName>
+                                        </p:attrNameLst>
+                                      </p:cBhvr>
+                                      <p:tavLst>
+                                        <p:tav tm="0">
+                                          <p:val>
+                                            <p:strVal val="#ppt_y+#ppt_h*1.125000"/>
+                                          </p:val>
+                                        </p:tav>
+                                        <p:tav tm="100000">
+                                          <p:val>
+                                            <p:strVal val="#ppt_y"/>
+                                          </p:val>
+                                        </p:tav>
+                                      </p:tavLst>
+                                    </p:anim>
+                                    <p:animEffect transition="in" filter="wipe(up)">
+                                      <p:cBhvr>
+                                        <p:cTn id="8" dur="500"/>
+                                        <p:tgtEl>
+                                          <p:spTgt spid="4">
+                                            <p:txEl>
+                                              <p:pRg st="0" end="0"/>
+                                            </p:txEl>
+                                          </p:spTgt>
+                                        </p:tgtEl>
+                                      </p:cBhvr>
+                                    </p:animEffect>
+                                  </p:childTnLst>
+                                </p:cTn>
+                              </p:par>
+                              <p:par>
+                                <p:cTn id="9" presetID="12" presetClass="entr" presetSubtype="4" fill="hold" nodeType="withEffect">
+                                  <p:stCondLst>
+                                    <p:cond delay="0"/>
+                                  </p:stCondLst>
+                                  <p:childTnLst>
+                                    <p:set>
+                                      <p:cBhvr>
+                                        <p:cTn id="10" dur="1" fill="hold">
+                                          <p:stCondLst>
+                                            <p:cond delay="0"/>
+                                          </p:stCondLst>
+                                        </p:cTn>
+                                        <p:tgtEl>
+                                          <p:spTgt spid="4">
+                                            <p:txEl>
+                                              <p:pRg st="1" end="1"/>
+                                            </p:txEl>
+                                          </p:spTgt>
+                                        </p:tgtEl>
+                                        <p:attrNameLst>
+                                          <p:attrName>style.visibility</p:attrName>
+                                        </p:attrNameLst>
+                                      </p:cBhvr>
+                                      <p:to>
+                                        <p:strVal val="visible"/>
+                                      </p:to>
+                                    </p:set>
+                                    <p:anim calcmode="lin" valueType="num">
+                                      <p:cBhvr additive="base">
+                                        <p:cTn id="11" dur="500"/>
+                                        <p:tgtEl>
+                                          <p:spTgt spid="4">
+                                            <p:txEl>
+                                              <p:pRg st="1" end="1"/>
+                                            </p:txEl>
+                                          </p:spTgt>
+                                        </p:tgtEl>
+                                        <p:attrNameLst>
+                                          <p:attrName>ppt_y</p:attrName>
+                                        </p:attrNameLst>
+                                      </p:cBhvr>
+                                      <p:tavLst>
+                                        <p:tav tm="0">
+                                          <p:val>
+                                            <p:strVal val="#ppt_y+#ppt_h*1.125000"/>
+                                          </p:val>
+                                        </p:tav>
+                                        <p:tav tm="100000">
+                                          <p:val>
+                                            <p:strVal val="#ppt_y"/>
+                                          </p:val>
+                                        </p:tav>
+                                      </p:tavLst>
+                                    </p:anim>
+                                    <p:animEffect transition="in" filter="wipe(up)">
+                                      <p:cBhvr>
+                                        <p:cTn id="12" dur="500"/>
+                                        <p:tgtEl>
+                                          <p:spTgt spid="4">
+                                            <p:txEl>
+                                              <p:pRg st="1" end="1"/>
+                                            </p:txEl>
+                                          </p:spTgt>
+                                        </p:tgtEl>
+                                      </p:cBhvr>
+                                    </p:animEffect>
+                                  </p:childTnLst>
+                                </p:cTn>
+                              </p:par>
+                              <p:par>
+                                <p:cTn id="13" presetID="12" presetClass="entr" presetSubtype="4" fill="hold" nodeType="withEffect">
+                                  <p:stCondLst>
+                                    <p:cond delay="0"/>
+                                  </p:stCondLst>
+                                  <p:childTnLst>
+                                    <p:set>
+                                      <p:cBhvr>
+                                        <p:cTn id="14" dur="1" fill="hold">
+                                          <p:stCondLst>
+                                            <p:cond delay="0"/>
+                                          </p:stCondLst>
+                                        </p:cTn>
+                                        <p:tgtEl>
+                                          <p:spTgt spid="4">
+                                            <p:txEl>
+                                              <p:pRg st="2" end="2"/>
+                                            </p:txEl>
+                                          </p:spTgt>
+                                        </p:tgtEl>
+                                        <p:attrNameLst>
+                                          <p:attrName>style.visibility</p:attrName>
+                                        </p:attrNameLst>
+                                      </p:cBhvr>
+                                      <p:to>
+                                        <p:strVal val="visible"/>
+                                      </p:to>
+                                    </p:set>
+                                    <p:anim calcmode="lin" valueType="num">
+                                      <p:cBhvr additive="base">
+                                        <p:cTn id="15" dur="500"/>
+                                        <p:tgtEl>
+                                          <p:spTgt spid="4">
+                                            <p:txEl>
+                                              <p:pRg st="2" end="2"/>
+                                            </p:txEl>
+                                          </p:spTgt>
+                                        </p:tgtEl>
+                                        <p:attrNameLst>
+                                          <p:attrName>ppt_y</p:attrName>
+                                        </p:attrNameLst>
+                                      </p:cBhvr>
+                                      <p:tavLst>
+                                        <p:tav tm="0">
+                                          <p:val>
+                                            <p:strVal val="#ppt_y+#ppt_h*1.125000"/>
+                                          </p:val>
+                                        </p:tav>
+                                        <p:tav tm="100000">
+                                          <p:val>
+                                            <p:strVal val="#ppt_y"/>
+                                          </p:val>
+                                        </p:tav>
+                                      </p:tavLst>
+                                    </p:anim>
+                                    <p:animEffect transition="in" filter="wipe(up)">
+                                      <p:cBhvr>
+                                        <p:cTn id="16" dur="500"/>
+                                        <p:tgtEl>
+                                          <p:spTgt spid="4">
+                                            <p:txEl>
+                                              <p:pRg st="2" end="2"/>
+                                            </p:txEl>
+                                          </p:spTgt>
+                                        </p:tgtEl>
+                                      </p:cBhvr>
+                                    </p:animEffect>
+                                  </p:childTnLst>
+                                </p:cTn>
+                              </p:par>
+                              <p:par>
+                                <p:cTn id="17" presetID="12" presetClass="entr" presetSubtype="4" fill="hold" nodeType="withEffect">
+                                  <p:stCondLst>
+                                    <p:cond delay="0"/>
+                                  </p:stCondLst>
+                                  <p:childTnLst>
+                                    <p:set>
+                                      <p:cBhvr>
+                                        <p:cTn id="18" dur="1" fill="hold">
+                                          <p:stCondLst>
+                                            <p:cond delay="0"/>
+                                          </p:stCondLst>
+                                        </p:cTn>
+                                        <p:tgtEl>
+                                          <p:spTgt spid="4">
+                                            <p:txEl>
+                                              <p:pRg st="3" end="3"/>
+                                            </p:txEl>
+                                          </p:spTgt>
+                                        </p:tgtEl>
+                                        <p:attrNameLst>
+                                          <p:attrName>style.visibility</p:attrName>
+                                        </p:attrNameLst>
+                                      </p:cBhvr>
+                                      <p:to>
+                                        <p:strVal val="visible"/>
+                                      </p:to>
+                                    </p:set>
+                                    <p:anim calcmode="lin" valueType="num">
+                                      <p:cBhvr additive="base">
+                                        <p:cTn id="19" dur="500"/>
+                                        <p:tgtEl>
+                                          <p:spTgt spid="4">
+                                            <p:txEl>
+                                              <p:pRg st="3" end="3"/>
+                                            </p:txEl>
+                                          </p:spTgt>
+                                        </p:tgtEl>
+                                        <p:attrNameLst>
+                                          <p:attrName>ppt_y</p:attrName>
+                                        </p:attrNameLst>
+                                      </p:cBhvr>
+                                      <p:tavLst>
+                                        <p:tav tm="0">
+                                          <p:val>
+                                            <p:strVal val="#ppt_y+#ppt_h*1.125000"/>
+                                          </p:val>
+                                        </p:tav>
+                                        <p:tav tm="100000">
+                                          <p:val>
+                                            <p:strVal val="#ppt_y"/>
+                                          </p:val>
+                                        </p:tav>
+                                      </p:tavLst>
+                                    </p:anim>
+                                    <p:animEffect transition="in" filter="wipe(up)">
+                                      <p:cBhvr>
+                                        <p:cTn id="20" dur="500"/>
+                                        <p:tgtEl>
+                                          <p:spTgt spid="4">
+                                            <p:txEl>
+                                              <p:pRg st="3" end="3"/>
+                                            </p:txEl>
+                                          </p:spTgt>
+                                        </p:tgtEl>
+                                      </p:cBhvr>
+                                    </p:animEffect>
+                                  </p:childTnLst>
+                                </p:cTn>
+                              </p:par>
+                              <p:par>
+                                <p:cTn id="21" presetID="12" presetClass="entr" presetSubtype="4" fill="hold" nodeType="withEffect">
+                                  <p:stCondLst>
+                                    <p:cond delay="0"/>
+                                  </p:stCondLst>
+                                  <p:childTnLst>
+                                    <p:set>
+                                      <p:cBhvr>
+                                        <p:cTn id="22" dur="1" fill="hold">
+                                          <p:stCondLst>
+                                            <p:cond delay="0"/>
+                                          </p:stCondLst>
+                                        </p:cTn>
+                                        <p:tgtEl>
+                                          <p:spTgt spid="4">
+                                            <p:txEl>
+                                              <p:pRg st="4" end="4"/>
+                                            </p:txEl>
+                                          </p:spTgt>
+                                        </p:tgtEl>
+                                        <p:attrNameLst>
+                                          <p:attrName>style.visibility</p:attrName>
+                                        </p:attrNameLst>
+                                      </p:cBhvr>
+                                      <p:to>
+                                        <p:strVal val="visible"/>
+                                      </p:to>
+                                    </p:set>
+                                    <p:anim calcmode="lin" valueType="num">
+                                      <p:cBhvr additive="base">
+                                        <p:cTn id="23" dur="500"/>
+                                        <p:tgtEl>
+                                          <p:spTgt spid="4">
+                                            <p:txEl>
+                                              <p:pRg st="4" end="4"/>
+                                            </p:txEl>
+                                          </p:spTgt>
+                                        </p:tgtEl>
+                                        <p:attrNameLst>
+                                          <p:attrName>ppt_y</p:attrName>
+                                        </p:attrNameLst>
+                                      </p:cBhvr>
+                                      <p:tavLst>
+                                        <p:tav tm="0">
+                                          <p:val>
+                                            <p:strVal val="#ppt_y+#ppt_h*1.125000"/>
+                                          </p:val>
+                                        </p:tav>
+                                        <p:tav tm="100000">
+                                          <p:val>
+                                            <p:strVal val="#ppt_y"/>
+                                          </p:val>
+                                        </p:tav>
+                                      </p:tavLst>
+                                    </p:anim>
+                                    <p:animEffect transition="in" filter="wipe(up)">
+                                      <p:cBhvr>
+                                        <p:cTn id="24" dur="500"/>
+                                        <p:tgtEl>
+                                          <p:spTgt spid="4">
+                                            <p:txEl>
+                                              <p:pRg st="4" end="4"/>
+                                            </p:txEl>
+                                          </p:spTgt>
+                                        </p:tgtEl>
+                                      </p:cBhvr>
+                                    </p:animEffect>
+                                  </p:childTnLst>
+                                </p:cTn>
+                              </p:par>
+                              <p:par>
+                                <p:cTn id="25" presetID="12" presetClass="entr" presetSubtype="4" fill="hold" nodeType="withEffect">
+                                  <p:stCondLst>
+                                    <p:cond delay="0"/>
+                                  </p:stCondLst>
+                                  <p:childTnLst>
+                                    <p:set>
+                                      <p:cBhvr>
+                                        <p:cTn id="26" dur="1" fill="hold">
+                                          <p:stCondLst>
+                                            <p:cond delay="0"/>
+                                          </p:stCondLst>
+                                        </p:cTn>
+                                        <p:tgtEl>
+                                          <p:spTgt spid="4">
+                                            <p:txEl>
+                                              <p:pRg st="5" end="5"/>
+                                            </p:txEl>
+                                          </p:spTgt>
+                                        </p:tgtEl>
+                                        <p:attrNameLst>
+                                          <p:attrName>style.visibility</p:attrName>
+                                        </p:attrNameLst>
+                                      </p:cBhvr>
+                                      <p:to>
+                                        <p:strVal val="visible"/>
+                                      </p:to>
+                                    </p:set>
+                                    <p:anim calcmode="lin" valueType="num">
+                                      <p:cBhvr additive="base">
+                                        <p:cTn id="27" dur="500"/>
+                                        <p:tgtEl>
+                                          <p:spTgt spid="4">
+                                            <p:txEl>
+                                              <p:pRg st="5" end="5"/>
+                                            </p:txEl>
+                                          </p:spTgt>
+                                        </p:tgtEl>
+                                        <p:attrNameLst>
+                                          <p:attrName>ppt_y</p:attrName>
+                                        </p:attrNameLst>
+                                      </p:cBhvr>
+                                      <p:tavLst>
+                                        <p:tav tm="0">
+                                          <p:val>
+                                            <p:strVal val="#ppt_y+#ppt_h*1.125000"/>
+                                          </p:val>
+                                        </p:tav>
+                                        <p:tav tm="100000">
+                                          <p:val>
+                                            <p:strVal val="#ppt_y"/>
+                                          </p:val>
+                                        </p:tav>
+                                      </p:tavLst>
+                                    </p:anim>
+                                    <p:animEffect transition="in" filter="wipe(up)">
+                                      <p:cBhvr>
+                                        <p:cTn id="28" dur="500"/>
+                                        <p:tgtEl>
+                                          <p:spTgt spid="4">
+                                            <p:txEl>
+                                              <p:pRg st="5" end="5"/>
+                                            </p:txEl>
+                                          </p:spTgt>
+                                        </p:tgtEl>
+                                      </p:cBhvr>
+                                    </p:animEffect>
+                                  </p:childTnLst>
+                                </p:cTn>
+                              </p:par>
+                            </p:childTnLst>
+                          </p:cTn>
+                        </p:par>
+                      </p:childTnLst>
+                    </p:cTn>
+                  </p:par>
+                </p:childTnLst>
+              </p:cTn>
+              <p:prevCondLst>
+                <p:cond evt="onPrev" delay="0">
+                  <p:tgtEl>
+                    <p:sldTgt/>
+                  </p:tgtEl>
+                </p:cond>
+              </p:prevCondLst>
+              <p:nextCondLst>
+                <p:cond evt="onNext" delay="0">
+                  <p:tgtEl>
+                    <p:sldTgt/>
+                  </p:tgtEl>
+                </p:cond>
+              </p:nextCondLst>
+            </p:seq>
+          </p:childTnLst>
+        </p:cTn>
+      </p:par>
+    </p:tnLst>
+  </p:timing>
+</p:sld>
+</file>
+
 <file path=ppt/slides/slide2.xml><?xml version="1.0" encoding="utf-8"?>
 <p:sld xmlns:a="http://schemas.openxmlformats.org/drawingml/2006/main" xmlns:r="http://schemas.openxmlformats.org/officeDocument/2006/relationships" xmlns:p="http://schemas.openxmlformats.org/presentationml/2006/main">
   <p:cSld>
@@ -14983,7 +16227,7 @@
 <p:tagLst xmlns:p="http://schemas.openxmlformats.org/presentationml/2006/main">
   <p:tag name="KSO_WPP_MARK_KEY" val="10fdc12b-29fa-462f-a8fa-ca14dcdab7bd"/>
   <p:tag name="COMMONDATA" val="eyJoZGlkIjoiYjk2ZWY3ZjQ3YjVmYmEyNzViNTNlYmE4MDdjZWExNmIifQ=="/>
-  <p:tag name="commondata" val="eyJoZGlkIjoiMTZmMjc0MmYzMDk2YzM0ZjFkZTY4Nzc0MzQyYmMwYTUifQ=="/>
+  <p:tag name="commondata" val="eyJoZGlkIjoiYjJjOTQxYzhjODMyMDAzZmE0MDJkMWFkNmJlNDkwYTUifQ=="/>
 </p:tagLst>
 </file>
 

--- a/acm/讲课·dp/DP（一）.pptx
+++ b/acm/讲课·dp/DP（一）.pptx
@@ -5,7 +5,7 @@
     <p:sldMasterId id="2147483648" r:id="rId1"/>
   </p:sldMasterIdLst>
   <p:notesMasterIdLst>
-    <p:notesMasterId r:id="rId15"/>
+    <p:notesMasterId r:id="rId18"/>
   </p:notesMasterIdLst>
   <p:sldIdLst>
     <p:sldId id="256" r:id="rId3"/>
@@ -19,12 +19,15 @@
     <p:sldId id="375" r:id="rId11"/>
     <p:sldId id="378" r:id="rId12"/>
     <p:sldId id="377" r:id="rId13"/>
-    <p:sldId id="385" r:id="rId14"/>
+    <p:sldId id="386" r:id="rId14"/>
+    <p:sldId id="385" r:id="rId15"/>
+    <p:sldId id="388" r:id="rId16"/>
+    <p:sldId id="387" r:id="rId17"/>
   </p:sldIdLst>
   <p:sldSz cx="5765800" cy="3244850"/>
   <p:notesSz cx="5765800" cy="3244850"/>
   <p:custDataLst>
-    <p:tags r:id="rId19"/>
+    <p:tags r:id="rId22"/>
   </p:custDataLst>
   <p:defaultTextStyle>
     <a:lvl1pPr marL="0" algn="l" defTabSz="914400" rtl="0" eaLnBrk="1" latinLnBrk="0" hangingPunct="1">
@@ -9637,6 +9640,694 @@
 </file>
 
 <file path=ppt/slides/slide12.xml><?xml version="1.0" encoding="utf-8"?>
+<p:sld xmlns:a="http://schemas.openxmlformats.org/drawingml/2006/main" xmlns:r="http://schemas.openxmlformats.org/officeDocument/2006/relationships" xmlns:p="http://schemas.openxmlformats.org/presentationml/2006/main">
+  <p:cSld>
+    <p:spTree>
+      <p:nvGrpSpPr>
+        <p:cNvPr id="1" name=""/>
+        <p:cNvGrpSpPr/>
+        <p:nvPr/>
+      </p:nvGrpSpPr>
+      <p:grpSpPr>
+        <a:xfrm>
+          <a:off x="0" y="0"/>
+          <a:ext cx="0" cy="0"/>
+          <a:chOff x="0" y="0"/>
+          <a:chExt cx="0" cy="0"/>
+        </a:xfrm>
+      </p:grpSpPr>
+      <p:sp>
+        <p:nvSpPr>
+          <p:cNvPr id="2" name="object 2"/>
+          <p:cNvSpPr/>
+          <p:nvPr/>
+        </p:nvSpPr>
+        <p:spPr>
+          <a:xfrm>
+            <a:off x="0" y="20"/>
+            <a:ext cx="5759958" cy="322190"/>
+          </a:xfrm>
+          <a:prstGeom prst="rect">
+            <a:avLst/>
+          </a:prstGeom>
+          <a:blipFill>
+            <a:blip r:embed="rId1" cstate="print"/>
+            <a:stretch>
+              <a:fillRect/>
+            </a:stretch>
+          </a:blipFill>
+        </p:spPr>
+        <p:txBody>
+          <a:bodyPr wrap="square" lIns="0" tIns="0" rIns="0" bIns="0" rtlCol="0"/>
+          <a:lstStyle/>
+          <a:p/>
+        </p:txBody>
+      </p:sp>
+      <p:sp>
+        <p:nvSpPr>
+          <p:cNvPr id="5" name="object 5"/>
+          <p:cNvSpPr/>
+          <p:nvPr/>
+        </p:nvSpPr>
+        <p:spPr>
+          <a:xfrm>
+            <a:off x="0" y="3113900"/>
+            <a:ext cx="2880360" cy="126364"/>
+          </a:xfrm>
+          <a:custGeom>
+            <a:avLst/>
+            <a:gdLst/>
+            <a:ahLst/>
+            <a:cxnLst/>
+            <a:rect l="l" t="t" r="r" b="b"/>
+            <a:pathLst>
+              <a:path w="2880360" h="126364">
+                <a:moveTo>
+                  <a:pt x="0" y="126123"/>
+                </a:moveTo>
+                <a:lnTo>
+                  <a:pt x="2880004" y="126123"/>
+                </a:lnTo>
+                <a:lnTo>
+                  <a:pt x="2880004" y="0"/>
+                </a:lnTo>
+                <a:lnTo>
+                  <a:pt x="0" y="0"/>
+                </a:lnTo>
+                <a:lnTo>
+                  <a:pt x="0" y="126123"/>
+                </a:lnTo>
+                <a:close/>
+              </a:path>
+            </a:pathLst>
+          </a:custGeom>
+          <a:solidFill>
+            <a:srgbClr val="000000"/>
+          </a:solidFill>
+        </p:spPr>
+        <p:txBody>
+          <a:bodyPr wrap="square" lIns="0" tIns="0" rIns="0" bIns="0" rtlCol="0"/>
+          <a:lstStyle/>
+          <a:p/>
+        </p:txBody>
+      </p:sp>
+      <p:sp>
+        <p:nvSpPr>
+          <p:cNvPr id="6" name="object 6"/>
+          <p:cNvSpPr/>
+          <p:nvPr/>
+        </p:nvSpPr>
+        <p:spPr>
+          <a:xfrm>
+            <a:off x="2880004" y="3113900"/>
+            <a:ext cx="2880360" cy="126364"/>
+          </a:xfrm>
+          <a:custGeom>
+            <a:avLst/>
+            <a:gdLst/>
+            <a:ahLst/>
+            <a:cxnLst/>
+            <a:rect l="l" t="t" r="r" b="b"/>
+            <a:pathLst>
+              <a:path w="2880360" h="126364">
+                <a:moveTo>
+                  <a:pt x="0" y="126123"/>
+                </a:moveTo>
+                <a:lnTo>
+                  <a:pt x="2880004" y="126123"/>
+                </a:lnTo>
+                <a:lnTo>
+                  <a:pt x="2880004" y="0"/>
+                </a:lnTo>
+                <a:lnTo>
+                  <a:pt x="0" y="0"/>
+                </a:lnTo>
+                <a:lnTo>
+                  <a:pt x="0" y="126123"/>
+                </a:lnTo>
+                <a:close/>
+              </a:path>
+            </a:pathLst>
+          </a:custGeom>
+          <a:solidFill>
+            <a:srgbClr val="3333B2"/>
+          </a:solidFill>
+        </p:spPr>
+        <p:txBody>
+          <a:bodyPr wrap="square" lIns="0" tIns="0" rIns="0" bIns="0" rtlCol="0"/>
+          <a:lstStyle/>
+          <a:p/>
+        </p:txBody>
+      </p:sp>
+      <p:sp>
+        <p:nvSpPr>
+          <p:cNvPr id="8" name="object 8"/>
+          <p:cNvSpPr txBox="1">
+            <a:spLocks noGrp="1"/>
+          </p:cNvSpPr>
+          <p:nvPr>
+            <p:ph type="ftr" sz="quarter" idx="5"/>
+          </p:nvPr>
+        </p:nvSpPr>
+        <p:spPr>
+          <a:xfrm>
+            <a:off x="2093595" y="3101975"/>
+            <a:ext cx="700405" cy="114300"/>
+          </a:xfrm>
+          <a:prstGeom prst="rect">
+            <a:avLst/>
+          </a:prstGeom>
+        </p:spPr>
+        <p:txBody>
+          <a:bodyPr vert="horz" wrap="square" lIns="0" tIns="22225" rIns="0" bIns="0" rtlCol="0">
+            <a:spAutoFit/>
+          </a:bodyPr>
+          <a:lstStyle/>
+          <a:p>
+            <a:pPr marL="12700">
+              <a:lnSpc>
+                <a:spcPct val="100000"/>
+              </a:lnSpc>
+              <a:spcBef>
+                <a:spcPts val="175"/>
+              </a:spcBef>
+            </a:pPr>
+            <a:r>
+              <a:rPr lang="en-US" spc="45" dirty="0">
+                <a:latin typeface="Tahoma" panose="020B0604030504040204"/>
+                <a:cs typeface="Tahoma" panose="020B0604030504040204"/>
+                <a:sym typeface="+mn-ea"/>
+              </a:rPr>
+              <a:t>ZJNU ACM</a:t>
+            </a:r>
+            <a:r>
+              <a:rPr spc="35" dirty="0">
+                <a:latin typeface="宋体" panose="02010600030101010101" pitchFamily="2" charset="-122"/>
+                <a:cs typeface="宋体" panose="02010600030101010101" pitchFamily="2" charset="-122"/>
+                <a:sym typeface="+mn-ea"/>
+              </a:rPr>
+              <a:t>集训队</a:t>
+            </a:r>
+            <a:endParaRPr spc="-5" dirty="0">
+              <a:latin typeface="Microsoft JhengHei UI" panose="020B0604030504040204" charset="-120"/>
+              <a:cs typeface="Microsoft JhengHei UI" panose="020B0604030504040204" charset="-120"/>
+            </a:endParaRPr>
+          </a:p>
+        </p:txBody>
+      </p:sp>
+      <p:sp>
+        <p:nvSpPr>
+          <p:cNvPr id="9" name="object 6"/>
+          <p:cNvSpPr txBox="1"/>
+          <p:nvPr/>
+        </p:nvSpPr>
+        <p:spPr>
+          <a:xfrm>
+            <a:off x="2975305" y="2819117"/>
+            <a:ext cx="2785745" cy="398780"/>
+          </a:xfrm>
+          <a:prstGeom prst="rect">
+            <a:avLst/>
+          </a:prstGeom>
+        </p:spPr>
+        <p:txBody>
+          <a:bodyPr vert="horz" wrap="square" lIns="0" tIns="127000" rIns="0" bIns="0" rtlCol="0">
+            <a:spAutoFit/>
+          </a:bodyPr>
+          <a:p>
+            <a:pPr marL="917575">
+              <a:lnSpc>
+                <a:spcPts val="1420"/>
+              </a:lnSpc>
+              <a:spcBef>
+                <a:spcPts val="1000"/>
+              </a:spcBef>
+            </a:pPr>
+            <a:r>
+              <a:rPr sz="1200" b="1" spc="50" dirty="0">
+                <a:latin typeface="Gill Sans MT" panose="020B0502020104020203"/>
+                <a:cs typeface="Gill Sans MT" panose="020B0502020104020203"/>
+                <a:hlinkClick r:id="rId2" action="ppaction://hlinksldjump"/>
+              </a:rPr>
+              <a:t>. . </a:t>
+            </a:r>
+            <a:r>
+              <a:rPr sz="1200" b="1" spc="50" dirty="0">
+                <a:latin typeface="Gill Sans MT" panose="020B0502020104020203"/>
+                <a:cs typeface="Gill Sans MT" panose="020B0502020104020203"/>
+                <a:hlinkClick r:id="rId3" action="ppaction://hlinksldjump"/>
+              </a:rPr>
+              <a:t>. </a:t>
+            </a:r>
+            <a:r>
+              <a:rPr sz="1800" b="1" spc="225" baseline="32000" dirty="0">
+                <a:latin typeface="Gill Sans MT" panose="020B0502020104020203"/>
+                <a:cs typeface="Gill Sans MT" panose="020B0502020104020203"/>
+              </a:rPr>
+              <a:t>.</a:t>
+            </a:r>
+            <a:r>
+              <a:rPr sz="1200" b="1" spc="150" dirty="0">
+                <a:latin typeface="Gill Sans MT" panose="020B0502020104020203"/>
+                <a:cs typeface="Gill Sans MT" panose="020B0502020104020203"/>
+                <a:hlinkClick r:id="rId2" action="ppaction://hlinksldjump"/>
+              </a:rPr>
+              <a:t>.</a:t>
+            </a:r>
+            <a:r>
+              <a:rPr sz="1200" b="1" spc="150" dirty="0">
+                <a:latin typeface="Gill Sans MT" panose="020B0502020104020203"/>
+                <a:cs typeface="Gill Sans MT" panose="020B0502020104020203"/>
+                <a:hlinkClick r:id="rId2" action="ppaction://hlinksldjump"/>
+              </a:rPr>
+              <a:t>.</a:t>
+            </a:r>
+            <a:r>
+              <a:rPr sz="1200" b="1" spc="150" dirty="0">
+                <a:latin typeface="Gill Sans MT" panose="020B0502020104020203"/>
+                <a:cs typeface="Gill Sans MT" panose="020B0502020104020203"/>
+                <a:hlinkClick r:id="rId2" action="ppaction://hlinksldjump"/>
+              </a:rPr>
+              <a:t>.</a:t>
+            </a:r>
+            <a:r>
+              <a:rPr sz="1200" b="1" spc="150" dirty="0">
+                <a:latin typeface="Gill Sans MT" panose="020B0502020104020203"/>
+                <a:cs typeface="Gill Sans MT" panose="020B0502020104020203"/>
+                <a:hlinkClick r:id="rId3" action="ppaction://hlinksldjump"/>
+              </a:rPr>
+              <a:t>.</a:t>
+            </a:r>
+            <a:r>
+              <a:rPr sz="1800" b="1" spc="225" baseline="32000" dirty="0">
+                <a:latin typeface="Gill Sans MT" panose="020B0502020104020203"/>
+                <a:cs typeface="Gill Sans MT" panose="020B0502020104020203"/>
+              </a:rPr>
+              <a:t>.</a:t>
+            </a:r>
+            <a:r>
+              <a:rPr sz="1200" b="1" spc="150" dirty="0">
+                <a:latin typeface="Gill Sans MT" panose="020B0502020104020203"/>
+                <a:cs typeface="Gill Sans MT" panose="020B0502020104020203"/>
+                <a:hlinkClick r:id="rId2" action="ppaction://hlinksldjump"/>
+              </a:rPr>
+              <a:t>.</a:t>
+            </a:r>
+            <a:r>
+              <a:rPr sz="1200" b="1" spc="150" dirty="0">
+                <a:latin typeface="Gill Sans MT" panose="020B0502020104020203"/>
+                <a:cs typeface="Gill Sans MT" panose="020B0502020104020203"/>
+                <a:hlinkClick r:id="rId2" action="ppaction://hlinksldjump"/>
+              </a:rPr>
+              <a:t>.</a:t>
+            </a:r>
+            <a:r>
+              <a:rPr sz="1200" b="1" spc="150" dirty="0">
+                <a:latin typeface="Gill Sans MT" panose="020B0502020104020203"/>
+                <a:cs typeface="Gill Sans MT" panose="020B0502020104020203"/>
+                <a:hlinkClick r:id="rId2" action="ppaction://hlinksldjump"/>
+              </a:rPr>
+              <a:t>.</a:t>
+            </a:r>
+            <a:r>
+              <a:rPr sz="1200" b="1" spc="150" dirty="0">
+                <a:latin typeface="Gill Sans MT" panose="020B0502020104020203"/>
+                <a:cs typeface="Gill Sans MT" panose="020B0502020104020203"/>
+                <a:hlinkClick r:id="rId2" action="ppaction://hlinksldjump"/>
+              </a:rPr>
+              <a:t>.</a:t>
+            </a:r>
+            <a:r>
+              <a:rPr sz="1800" b="1" spc="225" baseline="32000" dirty="0">
+                <a:latin typeface="Gill Sans MT" panose="020B0502020104020203"/>
+                <a:cs typeface="Gill Sans MT" panose="020B0502020104020203"/>
+              </a:rPr>
+              <a:t>.</a:t>
+            </a:r>
+            <a:r>
+              <a:rPr sz="1200" b="1" spc="150" dirty="0">
+                <a:latin typeface="Gill Sans MT" panose="020B0502020104020203"/>
+                <a:cs typeface="Gill Sans MT" panose="020B0502020104020203"/>
+                <a:hlinkClick r:id="rId2" action="ppaction://hlinksldjump"/>
+              </a:rPr>
+              <a:t>.</a:t>
+            </a:r>
+            <a:r>
+              <a:rPr sz="1200" b="1" spc="150" dirty="0">
+                <a:latin typeface="Gill Sans MT" panose="020B0502020104020203"/>
+                <a:cs typeface="Gill Sans MT" panose="020B0502020104020203"/>
+                <a:hlinkClick r:id="rId2" action="ppaction://hlinksldjump"/>
+              </a:rPr>
+              <a:t>.</a:t>
+            </a:r>
+            <a:r>
+              <a:rPr sz="1200" b="1" spc="150" dirty="0">
+                <a:latin typeface="Gill Sans MT" panose="020B0502020104020203"/>
+                <a:cs typeface="Gill Sans MT" panose="020B0502020104020203"/>
+                <a:hlinkClick r:id="rId2" action="ppaction://hlinksldjump"/>
+              </a:rPr>
+              <a:t>.</a:t>
+            </a:r>
+            <a:r>
+              <a:rPr sz="1200" b="1" spc="150" dirty="0">
+                <a:latin typeface="Gill Sans MT" panose="020B0502020104020203"/>
+                <a:cs typeface="Gill Sans MT" panose="020B0502020104020203"/>
+                <a:hlinkClick r:id="rId2" action="ppaction://hlinksldjump"/>
+              </a:rPr>
+              <a:t>.</a:t>
+            </a:r>
+            <a:r>
+              <a:rPr sz="1800" b="1" spc="225" baseline="32000" dirty="0">
+                <a:latin typeface="Gill Sans MT" panose="020B0502020104020203"/>
+                <a:cs typeface="Gill Sans MT" panose="020B0502020104020203"/>
+              </a:rPr>
+              <a:t>.</a:t>
+            </a:r>
+            <a:r>
+              <a:rPr sz="1200" b="1" spc="150" dirty="0">
+                <a:latin typeface="Gill Sans MT" panose="020B0502020104020203"/>
+                <a:cs typeface="Gill Sans MT" panose="020B0502020104020203"/>
+                <a:hlinkClick r:id="rId2" action="ppaction://hlinksldjump"/>
+              </a:rPr>
+              <a:t>.</a:t>
+            </a:r>
+            <a:r>
+              <a:rPr sz="1200" b="1" spc="150" dirty="0">
+                <a:latin typeface="Gill Sans MT" panose="020B0502020104020203"/>
+                <a:cs typeface="Gill Sans MT" panose="020B0502020104020203"/>
+              </a:rPr>
+              <a:t> </a:t>
+            </a:r>
+            <a:r>
+              <a:rPr sz="1200" b="1" strike="sngStrike" spc="50" dirty="0">
+                <a:latin typeface="Gill Sans MT" panose="020B0502020104020203"/>
+                <a:cs typeface="Gill Sans MT" panose="020B0502020104020203"/>
+              </a:rPr>
+              <a:t>.</a:t>
+            </a:r>
+            <a:r>
+              <a:rPr sz="1200" b="1" strike="noStrike" spc="50" dirty="0">
+                <a:latin typeface="Gill Sans MT" panose="020B0502020104020203"/>
+                <a:cs typeface="Gill Sans MT" panose="020B0502020104020203"/>
+              </a:rPr>
+              <a:t> </a:t>
+            </a:r>
+            <a:r>
+              <a:rPr sz="1800" b="1" strike="noStrike" spc="135" baseline="32000" dirty="0">
+                <a:latin typeface="Gill Sans MT" panose="020B0502020104020203"/>
+                <a:cs typeface="Gill Sans MT" panose="020B0502020104020203"/>
+              </a:rPr>
+              <a:t>.</a:t>
+            </a:r>
+            <a:r>
+              <a:rPr sz="1200" b="1" strike="noStrike" spc="90" dirty="0">
+                <a:latin typeface="Gill Sans MT" panose="020B0502020104020203"/>
+                <a:cs typeface="Gill Sans MT" panose="020B0502020104020203"/>
+              </a:rPr>
+              <a:t>. </a:t>
+            </a:r>
+            <a:r>
+              <a:rPr sz="1200" b="1" strike="noStrike" spc="50" dirty="0">
+                <a:latin typeface="Gill Sans MT" panose="020B0502020104020203"/>
+                <a:cs typeface="Gill Sans MT" panose="020B0502020104020203"/>
+              </a:rPr>
+              <a:t>.</a:t>
+            </a:r>
+            <a:r>
+              <a:rPr sz="1200" b="1" strike="noStrike" spc="-254" dirty="0">
+                <a:latin typeface="Gill Sans MT" panose="020B0502020104020203"/>
+                <a:cs typeface="Gill Sans MT" panose="020B0502020104020203"/>
+              </a:rPr>
+              <a:t> </a:t>
+            </a:r>
+            <a:r>
+              <a:rPr sz="1200" b="1" strike="noStrike" spc="50" dirty="0">
+                <a:latin typeface="Gill Sans MT" panose="020B0502020104020203"/>
+                <a:cs typeface="Gill Sans MT" panose="020B0502020104020203"/>
+              </a:rPr>
+              <a:t>. </a:t>
+            </a:r>
+            <a:r>
+              <a:rPr sz="1800" b="1" strike="noStrike" spc="75" baseline="32000" dirty="0">
+                <a:latin typeface="Gill Sans MT" panose="020B0502020104020203"/>
+                <a:cs typeface="Gill Sans MT" panose="020B0502020104020203"/>
+              </a:rPr>
+              <a:t>.</a:t>
+            </a:r>
+            <a:endParaRPr sz="1800" baseline="32000">
+              <a:latin typeface="Gill Sans MT" panose="020B0502020104020203"/>
+              <a:cs typeface="Gill Sans MT" panose="020B0502020104020203"/>
+            </a:endParaRPr>
+          </a:p>
+          <a:p>
+            <a:pPr marL="12700">
+              <a:lnSpc>
+                <a:spcPts val="700"/>
+              </a:lnSpc>
+            </a:pPr>
+            <a:r>
+              <a:rPr sz="600" b="1" spc="-5" dirty="0">
+                <a:solidFill>
+                  <a:srgbClr val="FFFFFF"/>
+                </a:solidFill>
+                <a:latin typeface="Gill Sans MT" panose="020B0502020104020203"/>
+                <a:cs typeface="Gill Sans MT" panose="020B0502020104020203"/>
+                <a:sym typeface="+mn-ea"/>
+              </a:rPr>
+              <a:t>202</a:t>
+            </a:r>
+            <a:r>
+              <a:rPr lang="en-US" sz="600" b="1" spc="-5" dirty="0">
+                <a:solidFill>
+                  <a:srgbClr val="FFFFFF"/>
+                </a:solidFill>
+                <a:latin typeface="Gill Sans MT" panose="020B0502020104020203"/>
+                <a:cs typeface="Gill Sans MT" panose="020B0502020104020203"/>
+                <a:sym typeface="+mn-ea"/>
+              </a:rPr>
+              <a:t>4</a:t>
+            </a:r>
+            <a:r>
+              <a:rPr lang="en-US" sz="600" b="1" spc="-5" dirty="0">
+                <a:solidFill>
+                  <a:srgbClr val="FFFFFF"/>
+                </a:solidFill>
+                <a:latin typeface="Gill Sans MT" panose="020B0502020104020203"/>
+                <a:cs typeface="Gill Sans MT" panose="020B0502020104020203"/>
+                <a:sym typeface="+mn-ea"/>
+              </a:rPr>
+              <a:t> ZJNU ACM </a:t>
+            </a:r>
+            <a:r>
+              <a:rPr sz="600" b="1" spc="-5" dirty="0">
+                <a:solidFill>
+                  <a:srgbClr val="FFFFFF"/>
+                </a:solidFill>
+                <a:latin typeface="Gill Sans MT" panose="020B0502020104020203"/>
+                <a:cs typeface="Gill Sans MT" panose="020B0502020104020203"/>
+                <a:sym typeface="+mn-ea"/>
+              </a:rPr>
+              <a:t>DP</a:t>
+            </a:r>
+            <a:r>
+              <a:rPr lang="zh-CN" sz="600" b="1" spc="-5" dirty="0">
+                <a:solidFill>
+                  <a:srgbClr val="FFFFFF"/>
+                </a:solidFill>
+                <a:latin typeface="Gill Sans MT" panose="020B0502020104020203"/>
+                <a:cs typeface="Gill Sans MT" panose="020B0502020104020203"/>
+                <a:sym typeface="+mn-ea"/>
+              </a:rPr>
+              <a:t>（</a:t>
+            </a:r>
+            <a:r>
+              <a:rPr sz="600" b="1" spc="-5" dirty="0">
+                <a:solidFill>
+                  <a:srgbClr val="FFFFFF"/>
+                </a:solidFill>
+                <a:latin typeface="Gill Sans MT" panose="020B0502020104020203"/>
+                <a:cs typeface="Gill Sans MT" panose="020B0502020104020203"/>
+                <a:sym typeface="+mn-ea"/>
+              </a:rPr>
+              <a:t>一）</a:t>
+            </a:r>
+            <a:endParaRPr lang="en-US" sz="600" b="1" spc="-5" dirty="0">
+              <a:solidFill>
+                <a:srgbClr val="FFFFFF"/>
+              </a:solidFill>
+              <a:latin typeface="Gill Sans MT" panose="020B0502020104020203"/>
+              <a:cs typeface="Gill Sans MT" panose="020B0502020104020203"/>
+            </a:endParaRPr>
+          </a:p>
+        </p:txBody>
+      </p:sp>
+      <p:sp>
+        <p:nvSpPr>
+          <p:cNvPr id="11" name="文本框 10"/>
+          <p:cNvSpPr txBox="1"/>
+          <p:nvPr/>
+        </p:nvSpPr>
+        <p:spPr>
+          <a:xfrm>
+            <a:off x="215900" y="31750"/>
+            <a:ext cx="3876040" cy="290195"/>
+          </a:xfrm>
+          <a:prstGeom prst="rect">
+            <a:avLst/>
+          </a:prstGeom>
+          <a:noFill/>
+        </p:spPr>
+        <p:txBody>
+          <a:bodyPr wrap="square" rtlCol="0">
+            <a:noAutofit/>
+          </a:bodyPr>
+          <a:p>
+            <a:r>
+              <a:rPr lang="zh-CN" altLang="en-US">
+                <a:solidFill>
+                  <a:schemeClr val="bg1"/>
+                </a:solidFill>
+              </a:rPr>
+              <a:t>状压</a:t>
+            </a:r>
+            <a:r>
+              <a:rPr lang="en-US" altLang="zh-CN">
+                <a:solidFill>
+                  <a:schemeClr val="bg1"/>
+                </a:solidFill>
+              </a:rPr>
+              <a:t>DP</a:t>
+            </a:r>
+            <a:endParaRPr lang="zh-CN" altLang="en-US">
+              <a:solidFill>
+                <a:schemeClr val="bg1"/>
+              </a:solidFill>
+            </a:endParaRPr>
+          </a:p>
+        </p:txBody>
+      </p:sp>
+      <p:sp>
+        <p:nvSpPr>
+          <p:cNvPr id="3" name="文本框 2"/>
+          <p:cNvSpPr txBox="1"/>
+          <p:nvPr/>
+        </p:nvSpPr>
+        <p:spPr>
+          <a:xfrm>
+            <a:off x="596900" y="631825"/>
+            <a:ext cx="4437380" cy="2289175"/>
+          </a:xfrm>
+          <a:prstGeom prst="rect">
+            <a:avLst/>
+          </a:prstGeom>
+          <a:noFill/>
+        </p:spPr>
+        <p:txBody>
+          <a:bodyPr wrap="square" rtlCol="0">
+            <a:noAutofit/>
+          </a:bodyPr>
+          <a:p>
+            <a:r>
+              <a:rPr lang="zh-CN" altLang="en-US"/>
+              <a:t>数组的最大与和：</a:t>
+            </a:r>
+            <a:br>
+              <a:rPr lang="zh-CN" altLang="en-US"/>
+            </a:br>
+            <a:r>
+              <a:rPr lang="zh-CN" altLang="en-US" sz="1000"/>
+              <a:t>给定两个数组，求两个数组对应元素与和的</a:t>
+            </a:r>
+            <a:r>
+              <a:rPr lang="zh-CN" altLang="en-US" sz="1000"/>
+              <a:t>最大值。</a:t>
+            </a:r>
+            <a:endParaRPr lang="zh-CN" altLang="en-US" sz="1000"/>
+          </a:p>
+          <a:p>
+            <a:endParaRPr lang="zh-CN" altLang="en-US" sz="1000"/>
+          </a:p>
+          <a:p>
+            <a:r>
+              <a:rPr lang="zh-CN" altLang="en-US" sz="1000"/>
+              <a:t>比如给定</a:t>
+            </a:r>
+            <a:r>
+              <a:rPr lang="en-US" altLang="zh-CN" sz="1000"/>
+              <a:t> [1,2,3,4] </a:t>
+            </a:r>
+            <a:r>
+              <a:rPr lang="zh-CN" altLang="en-US" sz="1000"/>
+              <a:t>和</a:t>
+            </a:r>
+            <a:r>
+              <a:rPr lang="en-US" altLang="zh-CN" sz="1000"/>
+              <a:t> [5, 6, 7, 8] </a:t>
+            </a:r>
+            <a:r>
+              <a:rPr lang="zh-CN" altLang="en-US" sz="1000"/>
+              <a:t>你可以选择</a:t>
+            </a:r>
+            <a:r>
+              <a:rPr lang="en-US" altLang="zh-CN" sz="1000"/>
+              <a:t> (1 &amp; 5) + (2 &amp; 6) + (3 &amp; 7) + (4 &amp; 8)</a:t>
+            </a:r>
+            <a:endParaRPr lang="en-US" altLang="zh-CN" sz="1000"/>
+          </a:p>
+          <a:p>
+            <a:r>
+              <a:rPr lang="zh-CN" altLang="en-US" sz="1000"/>
+              <a:t>作为一个可行解，也</a:t>
+            </a:r>
+            <a:r>
+              <a:rPr lang="zh-CN" altLang="en-US" sz="1000">
+                <a:sym typeface="+mn-ea"/>
+              </a:rPr>
+              <a:t>选择</a:t>
+            </a:r>
+            <a:r>
+              <a:rPr lang="en-US" altLang="zh-CN" sz="1000">
+                <a:sym typeface="+mn-ea"/>
+              </a:rPr>
+              <a:t> (4 &amp; 5) + (3 &amp; 6) + (2 &amp; 7) + (1 &amp; 8) </a:t>
+            </a:r>
+            <a:r>
+              <a:rPr lang="zh-CN" altLang="en-US" sz="1000">
+                <a:sym typeface="+mn-ea"/>
+              </a:rPr>
+              <a:t>作为一个解，然后需要找到这样最大的一个</a:t>
+            </a:r>
+            <a:r>
+              <a:rPr lang="zh-CN" altLang="en-US" sz="1000">
+                <a:sym typeface="+mn-ea"/>
+              </a:rPr>
+              <a:t>解。</a:t>
+            </a:r>
+            <a:endParaRPr lang="zh-CN" altLang="en-US" sz="1000">
+              <a:sym typeface="+mn-ea"/>
+            </a:endParaRPr>
+          </a:p>
+        </p:txBody>
+      </p:sp>
+    </p:spTree>
+  </p:cSld>
+  <p:clrMapOvr>
+    <a:masterClrMapping/>
+  </p:clrMapOvr>
+  <p:transition>
+    <p:cut/>
+  </p:transition>
+  <p:timing>
+    <p:tnLst>
+      <p:par>
+        <p:cTn id="1" dur="indefinite" restart="never" nodeType="tmRoot"/>
+      </p:par>
+    </p:tnLst>
+  </p:timing>
+</p:sld>
+</file>
+
+<file path=ppt/slides/slide13.xml><?xml version="1.0" encoding="utf-8"?>
 <p:sld xmlns:a="http://schemas.openxmlformats.org/drawingml/2006/main" xmlns:r="http://schemas.openxmlformats.org/officeDocument/2006/relationships" xmlns:p="http://schemas.openxmlformats.org/presentationml/2006/main">
   <p:cSld>
     <p:spTree>
@@ -10817,6 +11508,1287 @@
             </p:seq>
           </p:childTnLst>
         </p:cTn>
+      </p:par>
+    </p:tnLst>
+  </p:timing>
+</p:sld>
+</file>
+
+<file path=ppt/slides/slide14.xml><?xml version="1.0" encoding="utf-8"?>
+<p:sld xmlns:a="http://schemas.openxmlformats.org/drawingml/2006/main" xmlns:r="http://schemas.openxmlformats.org/officeDocument/2006/relationships" xmlns:p="http://schemas.openxmlformats.org/presentationml/2006/main">
+  <p:cSld>
+    <p:spTree>
+      <p:nvGrpSpPr>
+        <p:cNvPr id="1" name=""/>
+        <p:cNvGrpSpPr/>
+        <p:nvPr/>
+      </p:nvGrpSpPr>
+      <p:grpSpPr>
+        <a:xfrm>
+          <a:off x="0" y="0"/>
+          <a:ext cx="0" cy="0"/>
+          <a:chOff x="0" y="0"/>
+          <a:chExt cx="0" cy="0"/>
+        </a:xfrm>
+      </p:grpSpPr>
+      <p:sp>
+        <p:nvSpPr>
+          <p:cNvPr id="2" name="object 2"/>
+          <p:cNvSpPr/>
+          <p:nvPr/>
+        </p:nvSpPr>
+        <p:spPr>
+          <a:xfrm>
+            <a:off x="0" y="20"/>
+            <a:ext cx="5759958" cy="322190"/>
+          </a:xfrm>
+          <a:prstGeom prst="rect">
+            <a:avLst/>
+          </a:prstGeom>
+          <a:blipFill>
+            <a:blip r:embed="rId1" cstate="print"/>
+            <a:stretch>
+              <a:fillRect/>
+            </a:stretch>
+          </a:blipFill>
+        </p:spPr>
+        <p:txBody>
+          <a:bodyPr wrap="square" lIns="0" tIns="0" rIns="0" bIns="0" rtlCol="0"/>
+          <a:lstStyle/>
+          <a:p/>
+        </p:txBody>
+      </p:sp>
+      <p:sp>
+        <p:nvSpPr>
+          <p:cNvPr id="5" name="object 5"/>
+          <p:cNvSpPr/>
+          <p:nvPr/>
+        </p:nvSpPr>
+        <p:spPr>
+          <a:xfrm>
+            <a:off x="0" y="3113900"/>
+            <a:ext cx="2880360" cy="126364"/>
+          </a:xfrm>
+          <a:custGeom>
+            <a:avLst/>
+            <a:gdLst/>
+            <a:ahLst/>
+            <a:cxnLst/>
+            <a:rect l="l" t="t" r="r" b="b"/>
+            <a:pathLst>
+              <a:path w="2880360" h="126364">
+                <a:moveTo>
+                  <a:pt x="0" y="126123"/>
+                </a:moveTo>
+                <a:lnTo>
+                  <a:pt x="2880004" y="126123"/>
+                </a:lnTo>
+                <a:lnTo>
+                  <a:pt x="2880004" y="0"/>
+                </a:lnTo>
+                <a:lnTo>
+                  <a:pt x="0" y="0"/>
+                </a:lnTo>
+                <a:lnTo>
+                  <a:pt x="0" y="126123"/>
+                </a:lnTo>
+                <a:close/>
+              </a:path>
+            </a:pathLst>
+          </a:custGeom>
+          <a:solidFill>
+            <a:srgbClr val="000000"/>
+          </a:solidFill>
+        </p:spPr>
+        <p:txBody>
+          <a:bodyPr wrap="square" lIns="0" tIns="0" rIns="0" bIns="0" rtlCol="0"/>
+          <a:lstStyle/>
+          <a:p/>
+        </p:txBody>
+      </p:sp>
+      <p:sp>
+        <p:nvSpPr>
+          <p:cNvPr id="6" name="object 6"/>
+          <p:cNvSpPr/>
+          <p:nvPr/>
+        </p:nvSpPr>
+        <p:spPr>
+          <a:xfrm>
+            <a:off x="2880004" y="3113900"/>
+            <a:ext cx="2880360" cy="126364"/>
+          </a:xfrm>
+          <a:custGeom>
+            <a:avLst/>
+            <a:gdLst/>
+            <a:ahLst/>
+            <a:cxnLst/>
+            <a:rect l="l" t="t" r="r" b="b"/>
+            <a:pathLst>
+              <a:path w="2880360" h="126364">
+                <a:moveTo>
+                  <a:pt x="0" y="126123"/>
+                </a:moveTo>
+                <a:lnTo>
+                  <a:pt x="2880004" y="126123"/>
+                </a:lnTo>
+                <a:lnTo>
+                  <a:pt x="2880004" y="0"/>
+                </a:lnTo>
+                <a:lnTo>
+                  <a:pt x="0" y="0"/>
+                </a:lnTo>
+                <a:lnTo>
+                  <a:pt x="0" y="126123"/>
+                </a:lnTo>
+                <a:close/>
+              </a:path>
+            </a:pathLst>
+          </a:custGeom>
+          <a:solidFill>
+            <a:srgbClr val="3333B2"/>
+          </a:solidFill>
+        </p:spPr>
+        <p:txBody>
+          <a:bodyPr wrap="square" lIns="0" tIns="0" rIns="0" bIns="0" rtlCol="0"/>
+          <a:lstStyle/>
+          <a:p/>
+        </p:txBody>
+      </p:sp>
+      <p:sp>
+        <p:nvSpPr>
+          <p:cNvPr id="8" name="object 8"/>
+          <p:cNvSpPr txBox="1">
+            <a:spLocks noGrp="1"/>
+          </p:cNvSpPr>
+          <p:nvPr>
+            <p:ph type="ftr" sz="quarter" idx="5"/>
+          </p:nvPr>
+        </p:nvSpPr>
+        <p:spPr>
+          <a:xfrm>
+            <a:off x="2093595" y="3101975"/>
+            <a:ext cx="700405" cy="114300"/>
+          </a:xfrm>
+          <a:prstGeom prst="rect">
+            <a:avLst/>
+          </a:prstGeom>
+        </p:spPr>
+        <p:txBody>
+          <a:bodyPr vert="horz" wrap="square" lIns="0" tIns="22225" rIns="0" bIns="0" rtlCol="0">
+            <a:spAutoFit/>
+          </a:bodyPr>
+          <a:lstStyle/>
+          <a:p>
+            <a:pPr marL="12700">
+              <a:lnSpc>
+                <a:spcPct val="100000"/>
+              </a:lnSpc>
+              <a:spcBef>
+                <a:spcPts val="175"/>
+              </a:spcBef>
+            </a:pPr>
+            <a:r>
+              <a:rPr lang="en-US" spc="45" dirty="0">
+                <a:latin typeface="Tahoma" panose="020B0604030504040204"/>
+                <a:cs typeface="Tahoma" panose="020B0604030504040204"/>
+                <a:sym typeface="+mn-ea"/>
+              </a:rPr>
+              <a:t>ZJNU ACM</a:t>
+            </a:r>
+            <a:r>
+              <a:rPr spc="35" dirty="0">
+                <a:latin typeface="宋体" panose="02010600030101010101" pitchFamily="2" charset="-122"/>
+                <a:cs typeface="宋体" panose="02010600030101010101" pitchFamily="2" charset="-122"/>
+                <a:sym typeface="+mn-ea"/>
+              </a:rPr>
+              <a:t>集训队</a:t>
+            </a:r>
+            <a:endParaRPr spc="-5" dirty="0">
+              <a:latin typeface="Microsoft JhengHei UI" panose="020B0604030504040204" charset="-120"/>
+              <a:cs typeface="Microsoft JhengHei UI" panose="020B0604030504040204" charset="-120"/>
+            </a:endParaRPr>
+          </a:p>
+        </p:txBody>
+      </p:sp>
+      <p:sp>
+        <p:nvSpPr>
+          <p:cNvPr id="9" name="object 6"/>
+          <p:cNvSpPr txBox="1"/>
+          <p:nvPr/>
+        </p:nvSpPr>
+        <p:spPr>
+          <a:xfrm>
+            <a:off x="2975305" y="2819117"/>
+            <a:ext cx="2785745" cy="398780"/>
+          </a:xfrm>
+          <a:prstGeom prst="rect">
+            <a:avLst/>
+          </a:prstGeom>
+        </p:spPr>
+        <p:txBody>
+          <a:bodyPr vert="horz" wrap="square" lIns="0" tIns="127000" rIns="0" bIns="0" rtlCol="0">
+            <a:spAutoFit/>
+          </a:bodyPr>
+          <a:p>
+            <a:pPr marL="917575">
+              <a:lnSpc>
+                <a:spcPts val="1420"/>
+              </a:lnSpc>
+              <a:spcBef>
+                <a:spcPts val="1000"/>
+              </a:spcBef>
+            </a:pPr>
+            <a:r>
+              <a:rPr sz="1200" b="1" spc="50" dirty="0">
+                <a:latin typeface="Gill Sans MT" panose="020B0502020104020203"/>
+                <a:cs typeface="Gill Sans MT" panose="020B0502020104020203"/>
+                <a:hlinkClick r:id="rId2" action="ppaction://hlinksldjump"/>
+              </a:rPr>
+              <a:t>. . </a:t>
+            </a:r>
+            <a:r>
+              <a:rPr sz="1200" b="1" spc="50" dirty="0">
+                <a:latin typeface="Gill Sans MT" panose="020B0502020104020203"/>
+                <a:cs typeface="Gill Sans MT" panose="020B0502020104020203"/>
+                <a:hlinkClick r:id="rId3" action="ppaction://hlinksldjump"/>
+              </a:rPr>
+              <a:t>. </a:t>
+            </a:r>
+            <a:r>
+              <a:rPr sz="1800" b="1" spc="225" baseline="32000" dirty="0">
+                <a:latin typeface="Gill Sans MT" panose="020B0502020104020203"/>
+                <a:cs typeface="Gill Sans MT" panose="020B0502020104020203"/>
+              </a:rPr>
+              <a:t>.</a:t>
+            </a:r>
+            <a:r>
+              <a:rPr sz="1200" b="1" spc="150" dirty="0">
+                <a:latin typeface="Gill Sans MT" panose="020B0502020104020203"/>
+                <a:cs typeface="Gill Sans MT" panose="020B0502020104020203"/>
+                <a:hlinkClick r:id="rId2" action="ppaction://hlinksldjump"/>
+              </a:rPr>
+              <a:t>.</a:t>
+            </a:r>
+            <a:r>
+              <a:rPr sz="1200" b="1" spc="150" dirty="0">
+                <a:latin typeface="Gill Sans MT" panose="020B0502020104020203"/>
+                <a:cs typeface="Gill Sans MT" panose="020B0502020104020203"/>
+                <a:hlinkClick r:id="rId2" action="ppaction://hlinksldjump"/>
+              </a:rPr>
+              <a:t>.</a:t>
+            </a:r>
+            <a:r>
+              <a:rPr sz="1200" b="1" spc="150" dirty="0">
+                <a:latin typeface="Gill Sans MT" panose="020B0502020104020203"/>
+                <a:cs typeface="Gill Sans MT" panose="020B0502020104020203"/>
+                <a:hlinkClick r:id="rId2" action="ppaction://hlinksldjump"/>
+              </a:rPr>
+              <a:t>.</a:t>
+            </a:r>
+            <a:r>
+              <a:rPr sz="1200" b="1" spc="150" dirty="0">
+                <a:latin typeface="Gill Sans MT" panose="020B0502020104020203"/>
+                <a:cs typeface="Gill Sans MT" panose="020B0502020104020203"/>
+                <a:hlinkClick r:id="rId3" action="ppaction://hlinksldjump"/>
+              </a:rPr>
+              <a:t>.</a:t>
+            </a:r>
+            <a:r>
+              <a:rPr sz="1800" b="1" spc="225" baseline="32000" dirty="0">
+                <a:latin typeface="Gill Sans MT" panose="020B0502020104020203"/>
+                <a:cs typeface="Gill Sans MT" panose="020B0502020104020203"/>
+              </a:rPr>
+              <a:t>.</a:t>
+            </a:r>
+            <a:r>
+              <a:rPr sz="1200" b="1" spc="150" dirty="0">
+                <a:latin typeface="Gill Sans MT" panose="020B0502020104020203"/>
+                <a:cs typeface="Gill Sans MT" panose="020B0502020104020203"/>
+                <a:hlinkClick r:id="rId2" action="ppaction://hlinksldjump"/>
+              </a:rPr>
+              <a:t>.</a:t>
+            </a:r>
+            <a:r>
+              <a:rPr sz="1200" b="1" spc="150" dirty="0">
+                <a:latin typeface="Gill Sans MT" panose="020B0502020104020203"/>
+                <a:cs typeface="Gill Sans MT" panose="020B0502020104020203"/>
+                <a:hlinkClick r:id="rId2" action="ppaction://hlinksldjump"/>
+              </a:rPr>
+              <a:t>.</a:t>
+            </a:r>
+            <a:r>
+              <a:rPr sz="1200" b="1" spc="150" dirty="0">
+                <a:latin typeface="Gill Sans MT" panose="020B0502020104020203"/>
+                <a:cs typeface="Gill Sans MT" panose="020B0502020104020203"/>
+                <a:hlinkClick r:id="rId2" action="ppaction://hlinksldjump"/>
+              </a:rPr>
+              <a:t>.</a:t>
+            </a:r>
+            <a:r>
+              <a:rPr sz="1200" b="1" spc="150" dirty="0">
+                <a:latin typeface="Gill Sans MT" panose="020B0502020104020203"/>
+                <a:cs typeface="Gill Sans MT" panose="020B0502020104020203"/>
+                <a:hlinkClick r:id="rId2" action="ppaction://hlinksldjump"/>
+              </a:rPr>
+              <a:t>.</a:t>
+            </a:r>
+            <a:r>
+              <a:rPr sz="1800" b="1" spc="225" baseline="32000" dirty="0">
+                <a:latin typeface="Gill Sans MT" panose="020B0502020104020203"/>
+                <a:cs typeface="Gill Sans MT" panose="020B0502020104020203"/>
+              </a:rPr>
+              <a:t>.</a:t>
+            </a:r>
+            <a:r>
+              <a:rPr sz="1200" b="1" spc="150" dirty="0">
+                <a:latin typeface="Gill Sans MT" panose="020B0502020104020203"/>
+                <a:cs typeface="Gill Sans MT" panose="020B0502020104020203"/>
+                <a:hlinkClick r:id="rId2" action="ppaction://hlinksldjump"/>
+              </a:rPr>
+              <a:t>.</a:t>
+            </a:r>
+            <a:r>
+              <a:rPr sz="1200" b="1" spc="150" dirty="0">
+                <a:latin typeface="Gill Sans MT" panose="020B0502020104020203"/>
+                <a:cs typeface="Gill Sans MT" panose="020B0502020104020203"/>
+                <a:hlinkClick r:id="rId2" action="ppaction://hlinksldjump"/>
+              </a:rPr>
+              <a:t>.</a:t>
+            </a:r>
+            <a:r>
+              <a:rPr sz="1200" b="1" spc="150" dirty="0">
+                <a:latin typeface="Gill Sans MT" panose="020B0502020104020203"/>
+                <a:cs typeface="Gill Sans MT" panose="020B0502020104020203"/>
+                <a:hlinkClick r:id="rId2" action="ppaction://hlinksldjump"/>
+              </a:rPr>
+              <a:t>.</a:t>
+            </a:r>
+            <a:r>
+              <a:rPr sz="1200" b="1" spc="150" dirty="0">
+                <a:latin typeface="Gill Sans MT" panose="020B0502020104020203"/>
+                <a:cs typeface="Gill Sans MT" panose="020B0502020104020203"/>
+                <a:hlinkClick r:id="rId2" action="ppaction://hlinksldjump"/>
+              </a:rPr>
+              <a:t>.</a:t>
+            </a:r>
+            <a:r>
+              <a:rPr sz="1800" b="1" spc="225" baseline="32000" dirty="0">
+                <a:latin typeface="Gill Sans MT" panose="020B0502020104020203"/>
+                <a:cs typeface="Gill Sans MT" panose="020B0502020104020203"/>
+              </a:rPr>
+              <a:t>.</a:t>
+            </a:r>
+            <a:r>
+              <a:rPr sz="1200" b="1" spc="150" dirty="0">
+                <a:latin typeface="Gill Sans MT" panose="020B0502020104020203"/>
+                <a:cs typeface="Gill Sans MT" panose="020B0502020104020203"/>
+                <a:hlinkClick r:id="rId2" action="ppaction://hlinksldjump"/>
+              </a:rPr>
+              <a:t>.</a:t>
+            </a:r>
+            <a:r>
+              <a:rPr sz="1200" b="1" spc="150" dirty="0">
+                <a:latin typeface="Gill Sans MT" panose="020B0502020104020203"/>
+                <a:cs typeface="Gill Sans MT" panose="020B0502020104020203"/>
+              </a:rPr>
+              <a:t> </a:t>
+            </a:r>
+            <a:r>
+              <a:rPr sz="1200" b="1" strike="sngStrike" spc="50" dirty="0">
+                <a:latin typeface="Gill Sans MT" panose="020B0502020104020203"/>
+                <a:cs typeface="Gill Sans MT" panose="020B0502020104020203"/>
+              </a:rPr>
+              <a:t>.</a:t>
+            </a:r>
+            <a:r>
+              <a:rPr sz="1200" b="1" strike="noStrike" spc="50" dirty="0">
+                <a:latin typeface="Gill Sans MT" panose="020B0502020104020203"/>
+                <a:cs typeface="Gill Sans MT" panose="020B0502020104020203"/>
+              </a:rPr>
+              <a:t> </a:t>
+            </a:r>
+            <a:r>
+              <a:rPr sz="1800" b="1" strike="noStrike" spc="135" baseline="32000" dirty="0">
+                <a:latin typeface="Gill Sans MT" panose="020B0502020104020203"/>
+                <a:cs typeface="Gill Sans MT" panose="020B0502020104020203"/>
+              </a:rPr>
+              <a:t>.</a:t>
+            </a:r>
+            <a:r>
+              <a:rPr sz="1200" b="1" strike="noStrike" spc="90" dirty="0">
+                <a:latin typeface="Gill Sans MT" panose="020B0502020104020203"/>
+                <a:cs typeface="Gill Sans MT" panose="020B0502020104020203"/>
+              </a:rPr>
+              <a:t>. </a:t>
+            </a:r>
+            <a:r>
+              <a:rPr sz="1200" b="1" strike="noStrike" spc="50" dirty="0">
+                <a:latin typeface="Gill Sans MT" panose="020B0502020104020203"/>
+                <a:cs typeface="Gill Sans MT" panose="020B0502020104020203"/>
+              </a:rPr>
+              <a:t>.</a:t>
+            </a:r>
+            <a:r>
+              <a:rPr sz="1200" b="1" strike="noStrike" spc="-254" dirty="0">
+                <a:latin typeface="Gill Sans MT" panose="020B0502020104020203"/>
+                <a:cs typeface="Gill Sans MT" panose="020B0502020104020203"/>
+              </a:rPr>
+              <a:t> </a:t>
+            </a:r>
+            <a:r>
+              <a:rPr sz="1200" b="1" strike="noStrike" spc="50" dirty="0">
+                <a:latin typeface="Gill Sans MT" panose="020B0502020104020203"/>
+                <a:cs typeface="Gill Sans MT" panose="020B0502020104020203"/>
+              </a:rPr>
+              <a:t>. </a:t>
+            </a:r>
+            <a:r>
+              <a:rPr sz="1800" b="1" strike="noStrike" spc="75" baseline="32000" dirty="0">
+                <a:latin typeface="Gill Sans MT" panose="020B0502020104020203"/>
+                <a:cs typeface="Gill Sans MT" panose="020B0502020104020203"/>
+              </a:rPr>
+              <a:t>.</a:t>
+            </a:r>
+            <a:endParaRPr sz="1800" baseline="32000">
+              <a:latin typeface="Gill Sans MT" panose="020B0502020104020203"/>
+              <a:cs typeface="Gill Sans MT" panose="020B0502020104020203"/>
+            </a:endParaRPr>
+          </a:p>
+          <a:p>
+            <a:pPr marL="12700">
+              <a:lnSpc>
+                <a:spcPts val="700"/>
+              </a:lnSpc>
+            </a:pPr>
+            <a:r>
+              <a:rPr sz="600" b="1" spc="-5" dirty="0">
+                <a:solidFill>
+                  <a:srgbClr val="FFFFFF"/>
+                </a:solidFill>
+                <a:latin typeface="Gill Sans MT" panose="020B0502020104020203"/>
+                <a:cs typeface="Gill Sans MT" panose="020B0502020104020203"/>
+                <a:sym typeface="+mn-ea"/>
+              </a:rPr>
+              <a:t>202</a:t>
+            </a:r>
+            <a:r>
+              <a:rPr lang="en-US" sz="600" b="1" spc="-5" dirty="0">
+                <a:solidFill>
+                  <a:srgbClr val="FFFFFF"/>
+                </a:solidFill>
+                <a:latin typeface="Gill Sans MT" panose="020B0502020104020203"/>
+                <a:cs typeface="Gill Sans MT" panose="020B0502020104020203"/>
+                <a:sym typeface="+mn-ea"/>
+              </a:rPr>
+              <a:t>4</a:t>
+            </a:r>
+            <a:r>
+              <a:rPr lang="en-US" sz="600" b="1" spc="-5" dirty="0">
+                <a:solidFill>
+                  <a:srgbClr val="FFFFFF"/>
+                </a:solidFill>
+                <a:latin typeface="Gill Sans MT" panose="020B0502020104020203"/>
+                <a:cs typeface="Gill Sans MT" panose="020B0502020104020203"/>
+                <a:sym typeface="+mn-ea"/>
+              </a:rPr>
+              <a:t> ZJNU ACM </a:t>
+            </a:r>
+            <a:r>
+              <a:rPr sz="600" b="1" spc="-5" dirty="0">
+                <a:solidFill>
+                  <a:srgbClr val="FFFFFF"/>
+                </a:solidFill>
+                <a:latin typeface="Gill Sans MT" panose="020B0502020104020203"/>
+                <a:cs typeface="Gill Sans MT" panose="020B0502020104020203"/>
+                <a:sym typeface="+mn-ea"/>
+              </a:rPr>
+              <a:t>DP</a:t>
+            </a:r>
+            <a:r>
+              <a:rPr lang="zh-CN" sz="600" b="1" spc="-5" dirty="0">
+                <a:solidFill>
+                  <a:srgbClr val="FFFFFF"/>
+                </a:solidFill>
+                <a:latin typeface="Gill Sans MT" panose="020B0502020104020203"/>
+                <a:cs typeface="Gill Sans MT" panose="020B0502020104020203"/>
+                <a:sym typeface="+mn-ea"/>
+              </a:rPr>
+              <a:t>（</a:t>
+            </a:r>
+            <a:r>
+              <a:rPr sz="600" b="1" spc="-5" dirty="0">
+                <a:solidFill>
+                  <a:srgbClr val="FFFFFF"/>
+                </a:solidFill>
+                <a:latin typeface="Gill Sans MT" panose="020B0502020104020203"/>
+                <a:cs typeface="Gill Sans MT" panose="020B0502020104020203"/>
+                <a:sym typeface="+mn-ea"/>
+              </a:rPr>
+              <a:t>一）</a:t>
+            </a:r>
+            <a:endParaRPr lang="en-US" sz="600" b="1" spc="-5" dirty="0">
+              <a:solidFill>
+                <a:srgbClr val="FFFFFF"/>
+              </a:solidFill>
+              <a:latin typeface="Gill Sans MT" panose="020B0502020104020203"/>
+              <a:cs typeface="Gill Sans MT" panose="020B0502020104020203"/>
+            </a:endParaRPr>
+          </a:p>
+        </p:txBody>
+      </p:sp>
+      <p:sp>
+        <p:nvSpPr>
+          <p:cNvPr id="11" name="文本框 10"/>
+          <p:cNvSpPr txBox="1"/>
+          <p:nvPr/>
+        </p:nvSpPr>
+        <p:spPr>
+          <a:xfrm>
+            <a:off x="215900" y="31750"/>
+            <a:ext cx="3876040" cy="290195"/>
+          </a:xfrm>
+          <a:prstGeom prst="rect">
+            <a:avLst/>
+          </a:prstGeom>
+          <a:noFill/>
+        </p:spPr>
+        <p:txBody>
+          <a:bodyPr wrap="square" rtlCol="0">
+            <a:noAutofit/>
+          </a:bodyPr>
+          <a:p>
+            <a:r>
+              <a:rPr lang="zh-CN" altLang="en-US">
+                <a:solidFill>
+                  <a:schemeClr val="bg1"/>
+                </a:solidFill>
+              </a:rPr>
+              <a:t>状压</a:t>
+            </a:r>
+            <a:r>
+              <a:rPr lang="en-US" altLang="zh-CN">
+                <a:solidFill>
+                  <a:schemeClr val="bg1"/>
+                </a:solidFill>
+              </a:rPr>
+              <a:t>DP</a:t>
+            </a:r>
+            <a:endParaRPr lang="zh-CN" altLang="en-US">
+              <a:solidFill>
+                <a:schemeClr val="bg1"/>
+              </a:solidFill>
+            </a:endParaRPr>
+          </a:p>
+        </p:txBody>
+      </p:sp>
+      <p:sp>
+        <p:nvSpPr>
+          <p:cNvPr id="3" name="文本框 2"/>
+          <p:cNvSpPr txBox="1"/>
+          <p:nvPr/>
+        </p:nvSpPr>
+        <p:spPr>
+          <a:xfrm>
+            <a:off x="596900" y="631825"/>
+            <a:ext cx="4437380" cy="1293495"/>
+          </a:xfrm>
+          <a:prstGeom prst="rect">
+            <a:avLst/>
+          </a:prstGeom>
+          <a:noFill/>
+        </p:spPr>
+        <p:txBody>
+          <a:bodyPr wrap="square" rtlCol="0">
+            <a:noAutofit/>
+          </a:bodyPr>
+          <a:p>
+            <a:r>
+              <a:t>数字计数</a:t>
+            </a:r>
+            <a:r>
+              <a:rPr lang="zh-CN" altLang="en-US"/>
+              <a:t>：</a:t>
+            </a:r>
+            <a:br>
+              <a:rPr lang="zh-CN" altLang="en-US"/>
+            </a:br>
+            <a:endParaRPr lang="zh-CN" altLang="en-US" sz="1000"/>
+          </a:p>
+          <a:p>
+            <a:r>
+              <a:rPr lang="zh-CN" altLang="en-US" sz="1000">
+                <a:sym typeface="+mn-lt"/>
+              </a:rPr>
+              <a:t>给定两个正整数 a,b，求在 [a,b] 中的所有整数中，每个数码（digit）各出现了多少次。</a:t>
+            </a:r>
+            <a:endParaRPr lang="zh-CN" altLang="en-US" sz="1000"/>
+          </a:p>
+          <a:p>
+            <a:endParaRPr lang="zh-CN" altLang="en-US" sz="1000"/>
+          </a:p>
+        </p:txBody>
+      </p:sp>
+    </p:spTree>
+  </p:cSld>
+  <p:clrMapOvr>
+    <a:masterClrMapping/>
+  </p:clrMapOvr>
+  <p:transition>
+    <p:cut/>
+  </p:transition>
+  <p:timing>
+    <p:tnLst>
+      <p:par>
+        <p:cTn id="1" dur="indefinite" restart="never" nodeType="tmRoot"/>
+      </p:par>
+    </p:tnLst>
+  </p:timing>
+</p:sld>
+</file>
+
+<file path=ppt/slides/slide15.xml><?xml version="1.0" encoding="utf-8"?>
+<p:sld xmlns:a="http://schemas.openxmlformats.org/drawingml/2006/main" xmlns:r="http://schemas.openxmlformats.org/officeDocument/2006/relationships" xmlns:p="http://schemas.openxmlformats.org/presentationml/2006/main">
+  <p:cSld>
+    <p:spTree>
+      <p:nvGrpSpPr>
+        <p:cNvPr id="1" name=""/>
+        <p:cNvGrpSpPr/>
+        <p:nvPr/>
+      </p:nvGrpSpPr>
+      <p:grpSpPr>
+        <a:xfrm>
+          <a:off x="0" y="0"/>
+          <a:ext cx="0" cy="0"/>
+          <a:chOff x="0" y="0"/>
+          <a:chExt cx="0" cy="0"/>
+        </a:xfrm>
+      </p:grpSpPr>
+      <p:sp>
+        <p:nvSpPr>
+          <p:cNvPr id="2" name="object 2"/>
+          <p:cNvSpPr/>
+          <p:nvPr/>
+        </p:nvSpPr>
+        <p:spPr>
+          <a:xfrm>
+            <a:off x="0" y="20"/>
+            <a:ext cx="5759958" cy="322190"/>
+          </a:xfrm>
+          <a:prstGeom prst="rect">
+            <a:avLst/>
+          </a:prstGeom>
+          <a:blipFill>
+            <a:blip r:embed="rId1" cstate="print"/>
+            <a:stretch>
+              <a:fillRect/>
+            </a:stretch>
+          </a:blipFill>
+        </p:spPr>
+        <p:txBody>
+          <a:bodyPr wrap="square" lIns="0" tIns="0" rIns="0" bIns="0" rtlCol="0"/>
+          <a:lstStyle/>
+          <a:p/>
+        </p:txBody>
+      </p:sp>
+      <p:sp>
+        <p:nvSpPr>
+          <p:cNvPr id="5" name="object 5"/>
+          <p:cNvSpPr/>
+          <p:nvPr/>
+        </p:nvSpPr>
+        <p:spPr>
+          <a:xfrm>
+            <a:off x="0" y="3113900"/>
+            <a:ext cx="2880360" cy="126364"/>
+          </a:xfrm>
+          <a:custGeom>
+            <a:avLst/>
+            <a:gdLst/>
+            <a:ahLst/>
+            <a:cxnLst/>
+            <a:rect l="l" t="t" r="r" b="b"/>
+            <a:pathLst>
+              <a:path w="2880360" h="126364">
+                <a:moveTo>
+                  <a:pt x="0" y="126123"/>
+                </a:moveTo>
+                <a:lnTo>
+                  <a:pt x="2880004" y="126123"/>
+                </a:lnTo>
+                <a:lnTo>
+                  <a:pt x="2880004" y="0"/>
+                </a:lnTo>
+                <a:lnTo>
+                  <a:pt x="0" y="0"/>
+                </a:lnTo>
+                <a:lnTo>
+                  <a:pt x="0" y="126123"/>
+                </a:lnTo>
+                <a:close/>
+              </a:path>
+            </a:pathLst>
+          </a:custGeom>
+          <a:solidFill>
+            <a:srgbClr val="000000"/>
+          </a:solidFill>
+        </p:spPr>
+        <p:txBody>
+          <a:bodyPr wrap="square" lIns="0" tIns="0" rIns="0" bIns="0" rtlCol="0"/>
+          <a:lstStyle/>
+          <a:p/>
+        </p:txBody>
+      </p:sp>
+      <p:sp>
+        <p:nvSpPr>
+          <p:cNvPr id="6" name="object 6"/>
+          <p:cNvSpPr/>
+          <p:nvPr/>
+        </p:nvSpPr>
+        <p:spPr>
+          <a:xfrm>
+            <a:off x="2880004" y="3113900"/>
+            <a:ext cx="2880360" cy="126364"/>
+          </a:xfrm>
+          <a:custGeom>
+            <a:avLst/>
+            <a:gdLst/>
+            <a:ahLst/>
+            <a:cxnLst/>
+            <a:rect l="l" t="t" r="r" b="b"/>
+            <a:pathLst>
+              <a:path w="2880360" h="126364">
+                <a:moveTo>
+                  <a:pt x="0" y="126123"/>
+                </a:moveTo>
+                <a:lnTo>
+                  <a:pt x="2880004" y="126123"/>
+                </a:lnTo>
+                <a:lnTo>
+                  <a:pt x="2880004" y="0"/>
+                </a:lnTo>
+                <a:lnTo>
+                  <a:pt x="0" y="0"/>
+                </a:lnTo>
+                <a:lnTo>
+                  <a:pt x="0" y="126123"/>
+                </a:lnTo>
+                <a:close/>
+              </a:path>
+            </a:pathLst>
+          </a:custGeom>
+          <a:solidFill>
+            <a:srgbClr val="3333B2"/>
+          </a:solidFill>
+        </p:spPr>
+        <p:txBody>
+          <a:bodyPr wrap="square" lIns="0" tIns="0" rIns="0" bIns="0" rtlCol="0"/>
+          <a:lstStyle/>
+          <a:p/>
+        </p:txBody>
+      </p:sp>
+      <p:sp>
+        <p:nvSpPr>
+          <p:cNvPr id="8" name="object 8"/>
+          <p:cNvSpPr txBox="1">
+            <a:spLocks noGrp="1"/>
+          </p:cNvSpPr>
+          <p:nvPr>
+            <p:ph type="ftr" sz="quarter" idx="5"/>
+          </p:nvPr>
+        </p:nvSpPr>
+        <p:spPr>
+          <a:xfrm>
+            <a:off x="2093595" y="3101975"/>
+            <a:ext cx="700405" cy="114300"/>
+          </a:xfrm>
+          <a:prstGeom prst="rect">
+            <a:avLst/>
+          </a:prstGeom>
+        </p:spPr>
+        <p:txBody>
+          <a:bodyPr vert="horz" wrap="square" lIns="0" tIns="22225" rIns="0" bIns="0" rtlCol="0">
+            <a:spAutoFit/>
+          </a:bodyPr>
+          <a:lstStyle/>
+          <a:p>
+            <a:pPr marL="12700">
+              <a:lnSpc>
+                <a:spcPct val="100000"/>
+              </a:lnSpc>
+              <a:spcBef>
+                <a:spcPts val="175"/>
+              </a:spcBef>
+            </a:pPr>
+            <a:r>
+              <a:rPr lang="en-US" spc="45" dirty="0">
+                <a:latin typeface="Tahoma" panose="020B0604030504040204"/>
+                <a:cs typeface="Tahoma" panose="020B0604030504040204"/>
+                <a:sym typeface="+mn-ea"/>
+              </a:rPr>
+              <a:t>ZJNU ACM</a:t>
+            </a:r>
+            <a:r>
+              <a:rPr spc="35" dirty="0">
+                <a:latin typeface="宋体" panose="02010600030101010101" pitchFamily="2" charset="-122"/>
+                <a:cs typeface="宋体" panose="02010600030101010101" pitchFamily="2" charset="-122"/>
+                <a:sym typeface="+mn-ea"/>
+              </a:rPr>
+              <a:t>集训队</a:t>
+            </a:r>
+            <a:endParaRPr spc="-5" dirty="0">
+              <a:latin typeface="Microsoft JhengHei UI" panose="020B0604030504040204" charset="-120"/>
+              <a:cs typeface="Microsoft JhengHei UI" panose="020B0604030504040204" charset="-120"/>
+            </a:endParaRPr>
+          </a:p>
+        </p:txBody>
+      </p:sp>
+      <p:sp>
+        <p:nvSpPr>
+          <p:cNvPr id="9" name="object 6"/>
+          <p:cNvSpPr txBox="1"/>
+          <p:nvPr/>
+        </p:nvSpPr>
+        <p:spPr>
+          <a:xfrm>
+            <a:off x="2975305" y="2819117"/>
+            <a:ext cx="2785745" cy="398780"/>
+          </a:xfrm>
+          <a:prstGeom prst="rect">
+            <a:avLst/>
+          </a:prstGeom>
+        </p:spPr>
+        <p:txBody>
+          <a:bodyPr vert="horz" wrap="square" lIns="0" tIns="127000" rIns="0" bIns="0" rtlCol="0">
+            <a:spAutoFit/>
+          </a:bodyPr>
+          <a:p>
+            <a:pPr marL="917575">
+              <a:lnSpc>
+                <a:spcPts val="1420"/>
+              </a:lnSpc>
+              <a:spcBef>
+                <a:spcPts val="1000"/>
+              </a:spcBef>
+            </a:pPr>
+            <a:r>
+              <a:rPr sz="1200" b="1" spc="50" dirty="0">
+                <a:latin typeface="Gill Sans MT" panose="020B0502020104020203"/>
+                <a:cs typeface="Gill Sans MT" panose="020B0502020104020203"/>
+                <a:hlinkClick r:id="rId2" action="ppaction://hlinksldjump"/>
+              </a:rPr>
+              <a:t>. . </a:t>
+            </a:r>
+            <a:r>
+              <a:rPr sz="1200" b="1" spc="50" dirty="0">
+                <a:latin typeface="Gill Sans MT" panose="020B0502020104020203"/>
+                <a:cs typeface="Gill Sans MT" panose="020B0502020104020203"/>
+                <a:hlinkClick r:id="rId3" action="ppaction://hlinksldjump"/>
+              </a:rPr>
+              <a:t>. </a:t>
+            </a:r>
+            <a:r>
+              <a:rPr sz="1800" b="1" spc="225" baseline="32000" dirty="0">
+                <a:latin typeface="Gill Sans MT" panose="020B0502020104020203"/>
+                <a:cs typeface="Gill Sans MT" panose="020B0502020104020203"/>
+              </a:rPr>
+              <a:t>.</a:t>
+            </a:r>
+            <a:r>
+              <a:rPr sz="1200" b="1" spc="150" dirty="0">
+                <a:latin typeface="Gill Sans MT" panose="020B0502020104020203"/>
+                <a:cs typeface="Gill Sans MT" panose="020B0502020104020203"/>
+                <a:hlinkClick r:id="rId2" action="ppaction://hlinksldjump"/>
+              </a:rPr>
+              <a:t>.</a:t>
+            </a:r>
+            <a:r>
+              <a:rPr sz="1200" b="1" spc="150" dirty="0">
+                <a:latin typeface="Gill Sans MT" panose="020B0502020104020203"/>
+                <a:cs typeface="Gill Sans MT" panose="020B0502020104020203"/>
+                <a:hlinkClick r:id="rId2" action="ppaction://hlinksldjump"/>
+              </a:rPr>
+              <a:t>.</a:t>
+            </a:r>
+            <a:r>
+              <a:rPr sz="1200" b="1" spc="150" dirty="0">
+                <a:latin typeface="Gill Sans MT" panose="020B0502020104020203"/>
+                <a:cs typeface="Gill Sans MT" panose="020B0502020104020203"/>
+                <a:hlinkClick r:id="rId2" action="ppaction://hlinksldjump"/>
+              </a:rPr>
+              <a:t>.</a:t>
+            </a:r>
+            <a:r>
+              <a:rPr sz="1200" b="1" spc="150" dirty="0">
+                <a:latin typeface="Gill Sans MT" panose="020B0502020104020203"/>
+                <a:cs typeface="Gill Sans MT" panose="020B0502020104020203"/>
+                <a:hlinkClick r:id="rId3" action="ppaction://hlinksldjump"/>
+              </a:rPr>
+              <a:t>.</a:t>
+            </a:r>
+            <a:r>
+              <a:rPr sz="1800" b="1" spc="225" baseline="32000" dirty="0">
+                <a:latin typeface="Gill Sans MT" panose="020B0502020104020203"/>
+                <a:cs typeface="Gill Sans MT" panose="020B0502020104020203"/>
+              </a:rPr>
+              <a:t>.</a:t>
+            </a:r>
+            <a:r>
+              <a:rPr sz="1200" b="1" spc="150" dirty="0">
+                <a:latin typeface="Gill Sans MT" panose="020B0502020104020203"/>
+                <a:cs typeface="Gill Sans MT" panose="020B0502020104020203"/>
+                <a:hlinkClick r:id="rId2" action="ppaction://hlinksldjump"/>
+              </a:rPr>
+              <a:t>.</a:t>
+            </a:r>
+            <a:r>
+              <a:rPr sz="1200" b="1" spc="150" dirty="0">
+                <a:latin typeface="Gill Sans MT" panose="020B0502020104020203"/>
+                <a:cs typeface="Gill Sans MT" panose="020B0502020104020203"/>
+                <a:hlinkClick r:id="rId2" action="ppaction://hlinksldjump"/>
+              </a:rPr>
+              <a:t>.</a:t>
+            </a:r>
+            <a:r>
+              <a:rPr sz="1200" b="1" spc="150" dirty="0">
+                <a:latin typeface="Gill Sans MT" panose="020B0502020104020203"/>
+                <a:cs typeface="Gill Sans MT" panose="020B0502020104020203"/>
+                <a:hlinkClick r:id="rId2" action="ppaction://hlinksldjump"/>
+              </a:rPr>
+              <a:t>.</a:t>
+            </a:r>
+            <a:r>
+              <a:rPr sz="1200" b="1" spc="150" dirty="0">
+                <a:latin typeface="Gill Sans MT" panose="020B0502020104020203"/>
+                <a:cs typeface="Gill Sans MT" panose="020B0502020104020203"/>
+                <a:hlinkClick r:id="rId2" action="ppaction://hlinksldjump"/>
+              </a:rPr>
+              <a:t>.</a:t>
+            </a:r>
+            <a:r>
+              <a:rPr sz="1800" b="1" spc="225" baseline="32000" dirty="0">
+                <a:latin typeface="Gill Sans MT" panose="020B0502020104020203"/>
+                <a:cs typeface="Gill Sans MT" panose="020B0502020104020203"/>
+              </a:rPr>
+              <a:t>.</a:t>
+            </a:r>
+            <a:r>
+              <a:rPr sz="1200" b="1" spc="150" dirty="0">
+                <a:latin typeface="Gill Sans MT" panose="020B0502020104020203"/>
+                <a:cs typeface="Gill Sans MT" panose="020B0502020104020203"/>
+                <a:hlinkClick r:id="rId2" action="ppaction://hlinksldjump"/>
+              </a:rPr>
+              <a:t>.</a:t>
+            </a:r>
+            <a:r>
+              <a:rPr sz="1200" b="1" spc="150" dirty="0">
+                <a:latin typeface="Gill Sans MT" panose="020B0502020104020203"/>
+                <a:cs typeface="Gill Sans MT" panose="020B0502020104020203"/>
+                <a:hlinkClick r:id="rId2" action="ppaction://hlinksldjump"/>
+              </a:rPr>
+              <a:t>.</a:t>
+            </a:r>
+            <a:r>
+              <a:rPr sz="1200" b="1" spc="150" dirty="0">
+                <a:latin typeface="Gill Sans MT" panose="020B0502020104020203"/>
+                <a:cs typeface="Gill Sans MT" panose="020B0502020104020203"/>
+                <a:hlinkClick r:id="rId2" action="ppaction://hlinksldjump"/>
+              </a:rPr>
+              <a:t>.</a:t>
+            </a:r>
+            <a:r>
+              <a:rPr sz="1200" b="1" spc="150" dirty="0">
+                <a:latin typeface="Gill Sans MT" panose="020B0502020104020203"/>
+                <a:cs typeface="Gill Sans MT" panose="020B0502020104020203"/>
+                <a:hlinkClick r:id="rId2" action="ppaction://hlinksldjump"/>
+              </a:rPr>
+              <a:t>.</a:t>
+            </a:r>
+            <a:r>
+              <a:rPr sz="1800" b="1" spc="225" baseline="32000" dirty="0">
+                <a:latin typeface="Gill Sans MT" panose="020B0502020104020203"/>
+                <a:cs typeface="Gill Sans MT" panose="020B0502020104020203"/>
+              </a:rPr>
+              <a:t>.</a:t>
+            </a:r>
+            <a:r>
+              <a:rPr sz="1200" b="1" spc="150" dirty="0">
+                <a:latin typeface="Gill Sans MT" panose="020B0502020104020203"/>
+                <a:cs typeface="Gill Sans MT" panose="020B0502020104020203"/>
+                <a:hlinkClick r:id="rId2" action="ppaction://hlinksldjump"/>
+              </a:rPr>
+              <a:t>.</a:t>
+            </a:r>
+            <a:r>
+              <a:rPr sz="1200" b="1" spc="150" dirty="0">
+                <a:latin typeface="Gill Sans MT" panose="020B0502020104020203"/>
+                <a:cs typeface="Gill Sans MT" panose="020B0502020104020203"/>
+              </a:rPr>
+              <a:t> </a:t>
+            </a:r>
+            <a:r>
+              <a:rPr sz="1200" b="1" strike="sngStrike" spc="50" dirty="0">
+                <a:latin typeface="Gill Sans MT" panose="020B0502020104020203"/>
+                <a:cs typeface="Gill Sans MT" panose="020B0502020104020203"/>
+              </a:rPr>
+              <a:t>.</a:t>
+            </a:r>
+            <a:r>
+              <a:rPr sz="1200" b="1" strike="noStrike" spc="50" dirty="0">
+                <a:latin typeface="Gill Sans MT" panose="020B0502020104020203"/>
+                <a:cs typeface="Gill Sans MT" panose="020B0502020104020203"/>
+              </a:rPr>
+              <a:t> </a:t>
+            </a:r>
+            <a:r>
+              <a:rPr sz="1800" b="1" strike="noStrike" spc="135" baseline="32000" dirty="0">
+                <a:latin typeface="Gill Sans MT" panose="020B0502020104020203"/>
+                <a:cs typeface="Gill Sans MT" panose="020B0502020104020203"/>
+              </a:rPr>
+              <a:t>.</a:t>
+            </a:r>
+            <a:r>
+              <a:rPr sz="1200" b="1" strike="noStrike" spc="90" dirty="0">
+                <a:latin typeface="Gill Sans MT" panose="020B0502020104020203"/>
+                <a:cs typeface="Gill Sans MT" panose="020B0502020104020203"/>
+              </a:rPr>
+              <a:t>. </a:t>
+            </a:r>
+            <a:r>
+              <a:rPr sz="1200" b="1" strike="noStrike" spc="50" dirty="0">
+                <a:latin typeface="Gill Sans MT" panose="020B0502020104020203"/>
+                <a:cs typeface="Gill Sans MT" panose="020B0502020104020203"/>
+              </a:rPr>
+              <a:t>.</a:t>
+            </a:r>
+            <a:r>
+              <a:rPr sz="1200" b="1" strike="noStrike" spc="-254" dirty="0">
+                <a:latin typeface="Gill Sans MT" panose="020B0502020104020203"/>
+                <a:cs typeface="Gill Sans MT" panose="020B0502020104020203"/>
+              </a:rPr>
+              <a:t> </a:t>
+            </a:r>
+            <a:r>
+              <a:rPr sz="1200" b="1" strike="noStrike" spc="50" dirty="0">
+                <a:latin typeface="Gill Sans MT" panose="020B0502020104020203"/>
+                <a:cs typeface="Gill Sans MT" panose="020B0502020104020203"/>
+              </a:rPr>
+              <a:t>. </a:t>
+            </a:r>
+            <a:r>
+              <a:rPr sz="1800" b="1" strike="noStrike" spc="75" baseline="32000" dirty="0">
+                <a:latin typeface="Gill Sans MT" panose="020B0502020104020203"/>
+                <a:cs typeface="Gill Sans MT" panose="020B0502020104020203"/>
+              </a:rPr>
+              <a:t>.</a:t>
+            </a:r>
+            <a:endParaRPr sz="1800" baseline="32000">
+              <a:latin typeface="Gill Sans MT" panose="020B0502020104020203"/>
+              <a:cs typeface="Gill Sans MT" panose="020B0502020104020203"/>
+            </a:endParaRPr>
+          </a:p>
+          <a:p>
+            <a:pPr marL="12700">
+              <a:lnSpc>
+                <a:spcPts val="700"/>
+              </a:lnSpc>
+            </a:pPr>
+            <a:r>
+              <a:rPr sz="600" b="1" spc="-5" dirty="0">
+                <a:solidFill>
+                  <a:srgbClr val="FFFFFF"/>
+                </a:solidFill>
+                <a:latin typeface="Gill Sans MT" panose="020B0502020104020203"/>
+                <a:cs typeface="Gill Sans MT" panose="020B0502020104020203"/>
+                <a:sym typeface="+mn-ea"/>
+              </a:rPr>
+              <a:t>202</a:t>
+            </a:r>
+            <a:r>
+              <a:rPr lang="en-US" sz="600" b="1" spc="-5" dirty="0">
+                <a:solidFill>
+                  <a:srgbClr val="FFFFFF"/>
+                </a:solidFill>
+                <a:latin typeface="Gill Sans MT" panose="020B0502020104020203"/>
+                <a:cs typeface="Gill Sans MT" panose="020B0502020104020203"/>
+                <a:sym typeface="+mn-ea"/>
+              </a:rPr>
+              <a:t>4</a:t>
+            </a:r>
+            <a:r>
+              <a:rPr lang="en-US" sz="600" b="1" spc="-5" dirty="0">
+                <a:solidFill>
+                  <a:srgbClr val="FFFFFF"/>
+                </a:solidFill>
+                <a:latin typeface="Gill Sans MT" panose="020B0502020104020203"/>
+                <a:cs typeface="Gill Sans MT" panose="020B0502020104020203"/>
+                <a:sym typeface="+mn-ea"/>
+              </a:rPr>
+              <a:t> ZJNU ACM </a:t>
+            </a:r>
+            <a:r>
+              <a:rPr sz="600" b="1" spc="-5" dirty="0">
+                <a:solidFill>
+                  <a:srgbClr val="FFFFFF"/>
+                </a:solidFill>
+                <a:latin typeface="Gill Sans MT" panose="020B0502020104020203"/>
+                <a:cs typeface="Gill Sans MT" panose="020B0502020104020203"/>
+                <a:sym typeface="+mn-ea"/>
+              </a:rPr>
+              <a:t>DP</a:t>
+            </a:r>
+            <a:r>
+              <a:rPr lang="zh-CN" sz="600" b="1" spc="-5" dirty="0">
+                <a:solidFill>
+                  <a:srgbClr val="FFFFFF"/>
+                </a:solidFill>
+                <a:latin typeface="Gill Sans MT" panose="020B0502020104020203"/>
+                <a:cs typeface="Gill Sans MT" panose="020B0502020104020203"/>
+                <a:sym typeface="+mn-ea"/>
+              </a:rPr>
+              <a:t>（</a:t>
+            </a:r>
+            <a:r>
+              <a:rPr sz="600" b="1" spc="-5" dirty="0">
+                <a:solidFill>
+                  <a:srgbClr val="FFFFFF"/>
+                </a:solidFill>
+                <a:latin typeface="Gill Sans MT" panose="020B0502020104020203"/>
+                <a:cs typeface="Gill Sans MT" panose="020B0502020104020203"/>
+                <a:sym typeface="+mn-ea"/>
+              </a:rPr>
+              <a:t>一）</a:t>
+            </a:r>
+            <a:endParaRPr lang="en-US" sz="600" b="1" spc="-5" dirty="0">
+              <a:solidFill>
+                <a:srgbClr val="FFFFFF"/>
+              </a:solidFill>
+              <a:latin typeface="Gill Sans MT" panose="020B0502020104020203"/>
+              <a:cs typeface="Gill Sans MT" panose="020B0502020104020203"/>
+            </a:endParaRPr>
+          </a:p>
+        </p:txBody>
+      </p:sp>
+      <p:sp>
+        <p:nvSpPr>
+          <p:cNvPr id="11" name="文本框 10"/>
+          <p:cNvSpPr txBox="1"/>
+          <p:nvPr/>
+        </p:nvSpPr>
+        <p:spPr>
+          <a:xfrm>
+            <a:off x="215900" y="31750"/>
+            <a:ext cx="3876040" cy="290195"/>
+          </a:xfrm>
+          <a:prstGeom prst="rect">
+            <a:avLst/>
+          </a:prstGeom>
+          <a:noFill/>
+        </p:spPr>
+        <p:txBody>
+          <a:bodyPr wrap="square" rtlCol="0">
+            <a:noAutofit/>
+          </a:bodyPr>
+          <a:p>
+            <a:r>
+              <a:rPr lang="zh-CN" altLang="en-US">
+                <a:solidFill>
+                  <a:schemeClr val="bg1"/>
+                </a:solidFill>
+              </a:rPr>
+              <a:t>状压</a:t>
+            </a:r>
+            <a:r>
+              <a:rPr lang="en-US" altLang="zh-CN">
+                <a:solidFill>
+                  <a:schemeClr val="bg1"/>
+                </a:solidFill>
+              </a:rPr>
+              <a:t>DP</a:t>
+            </a:r>
+            <a:endParaRPr lang="zh-CN" altLang="en-US">
+              <a:solidFill>
+                <a:schemeClr val="bg1"/>
+              </a:solidFill>
+            </a:endParaRPr>
+          </a:p>
+        </p:txBody>
+      </p:sp>
+      <p:sp>
+        <p:nvSpPr>
+          <p:cNvPr id="3" name="文本框 2"/>
+          <p:cNvSpPr txBox="1"/>
+          <p:nvPr/>
+        </p:nvSpPr>
+        <p:spPr>
+          <a:xfrm>
+            <a:off x="596900" y="631825"/>
+            <a:ext cx="4437380" cy="675005"/>
+          </a:xfrm>
+          <a:prstGeom prst="rect">
+            <a:avLst/>
+          </a:prstGeom>
+          <a:noFill/>
+        </p:spPr>
+        <p:txBody>
+          <a:bodyPr wrap="square" rtlCol="0">
+            <a:noAutofit/>
+          </a:bodyPr>
+          <a:p>
+            <a:r>
+              <a:rPr lang="zh-CN" altLang="en-US"/>
+              <a:t>不要</a:t>
+            </a:r>
+            <a:r>
+              <a:rPr lang="en-US" altLang="zh-CN"/>
+              <a:t>62</a:t>
+            </a:r>
+            <a:r>
+              <a:rPr lang="zh-CN" altLang="en-US"/>
+              <a:t>：</a:t>
+            </a:r>
+            <a:br>
+              <a:rPr lang="zh-CN" altLang="en-US"/>
+            </a:br>
+            <a:r>
+              <a:rPr lang="en-US" altLang="zh-CN" sz="1000"/>
+              <a:t>oj</a:t>
+            </a:r>
+            <a:r>
+              <a:rPr lang="zh-CN" altLang="en-US" sz="1000"/>
+              <a:t>经典</a:t>
+            </a:r>
+            <a:r>
+              <a:rPr lang="zh-CN" altLang="en-US" sz="1000"/>
+              <a:t>题目</a:t>
+            </a:r>
+            <a:endParaRPr lang="zh-CN" altLang="en-US" sz="1000"/>
+          </a:p>
+          <a:p>
+            <a:r>
+              <a:rPr lang="zh-CN" altLang="en-US" sz="1000">
+                <a:sym typeface="+mn-lt"/>
+              </a:rPr>
+              <a:t>统计一个区间内数位上不能有 4 也不能有连续的 62 的数有多少。</a:t>
+            </a:r>
+            <a:endParaRPr lang="zh-CN" altLang="en-US" sz="1000"/>
+          </a:p>
+          <a:p>
+            <a:endParaRPr lang="zh-CN" altLang="en-US" sz="1000"/>
+          </a:p>
+        </p:txBody>
+      </p:sp>
+    </p:spTree>
+  </p:cSld>
+  <p:clrMapOvr>
+    <a:masterClrMapping/>
+  </p:clrMapOvr>
+  <p:transition>
+    <p:cut/>
+  </p:transition>
+  <p:timing>
+    <p:tnLst>
+      <p:par>
+        <p:cTn id="1" dur="indefinite" restart="never" nodeType="tmRoot"/>
       </p:par>
     </p:tnLst>
   </p:timing>

--- a/acm/讲课·dp/DP（一）.pptx
+++ b/acm/讲课·dp/DP（一）.pptx
@@ -7768,11 +7768,11 @@
             </a:r>
             <a:r>
               <a:rPr lang="en-US" altLang="zh-CN" spc="-50" dirty="0"/>
-              <a:t> DP(</a:t>
+              <a:t> DP</a:t>
             </a:r>
             <a:r>
               <a:rPr lang="zh-CN" altLang="en-US" spc="-50" dirty="0"/>
-              <a:t>一）</a:t>
+              <a:t>（一）</a:t>
             </a:r>
             <a:endParaRPr lang="zh-CN" altLang="en-US" spc="-50" dirty="0"/>
           </a:p>
@@ -19462,7 +19462,7 @@
 <p:tagLst xmlns:p="http://schemas.openxmlformats.org/presentationml/2006/main">
   <p:tag name="KSO_WPP_MARK_KEY" val="10fdc12b-29fa-462f-a8fa-ca14dcdab7bd"/>
   <p:tag name="COMMONDATA" val="eyJoZGlkIjoiYjk2ZWY3ZjQ3YjVmYmEyNzViNTNlYmE4MDdjZWExNmIifQ=="/>
-  <p:tag name="commondata" val="eyJoZGlkIjoiMTZmMjc0MmYzMDk2YzM0ZjFkZTY4Nzc0MzQyYmMwYTUifQ=="/>
+  <p:tag name="commondata" val="eyJoZGlkIjoiYjJjOTQxYzhjODMyMDAzZmE0MDJkMWFkNmJlNDkwYTUifQ=="/>
 </p:tagLst>
 </file>
 
